--- a/Messaging Patterns.pptx
+++ b/Messaging Patterns.pptx
@@ -11,12 +11,12 @@
     <p:sldId id="256" r:id="rId2"/>
     <p:sldId id="257" r:id="rId3"/>
     <p:sldId id="283" r:id="rId4"/>
-    <p:sldId id="278" r:id="rId5"/>
-    <p:sldId id="284" r:id="rId6"/>
-    <p:sldId id="277" r:id="rId7"/>
-    <p:sldId id="285" r:id="rId8"/>
-    <p:sldId id="279" r:id="rId9"/>
-    <p:sldId id="286" r:id="rId10"/>
+    <p:sldId id="284" r:id="rId5"/>
+    <p:sldId id="278" r:id="rId6"/>
+    <p:sldId id="285" r:id="rId7"/>
+    <p:sldId id="277" r:id="rId8"/>
+    <p:sldId id="286" r:id="rId9"/>
+    <p:sldId id="279" r:id="rId10"/>
     <p:sldId id="276" r:id="rId11"/>
     <p:sldId id="268" r:id="rId12"/>
     <p:sldId id="265" r:id="rId13"/>
@@ -212,7 +212,8 @@
           <a:p>
             <a:fld id="{F965A161-9D5C-6840-84E0-419B5854F2B0}" type="datetimeFigureOut">
               <a:rPr lang="en-US" smtClean="0"/>
-              <a:t>7/29/11</a:t>
+              <a:pPr/>
+              <a:t>8/12/2011</a:t>
             </a:fld>
             <a:endParaRPr lang="en-US"/>
           </a:p>
@@ -371,6 +372,7 @@
           <a:p>
             <a:fld id="{0C76B8B8-5BDB-874C-8585-EFD2199519D4}" type="slidenum">
               <a:rPr lang="en-US" smtClean="0"/>
+              <a:pPr/>
               <a:t>‹#›</a:t>
             </a:fld>
             <a:endParaRPr lang="en-US"/>
@@ -380,7 +382,7 @@
     </p:spTree>
     <p:extLst>
       <p:ext uri="{BB962C8B-B14F-4D97-AF65-F5344CB8AC3E}">
-        <p14:creationId xmlns:p14="http://schemas.microsoft.com/office/powerpoint/2010/main" val="794538217"/>
+        <p14:creationId xmlns:p14="http://schemas.microsoft.com/office/powerpoint/2010/main" xmlns="" val="794538217"/>
       </p:ext>
     </p:extLst>
   </p:cSld>
@@ -545,6 +547,7 @@
           <a:p>
             <a:fld id="{0C76B8B8-5BDB-874C-8585-EFD2199519D4}" type="slidenum">
               <a:rPr lang="en-US" smtClean="0"/>
+              <a:pPr/>
               <a:t>2</a:t>
             </a:fld>
             <a:endParaRPr lang="en-US"/>
@@ -554,7 +557,7 @@
     </p:spTree>
     <p:extLst>
       <p:ext uri="{BB962C8B-B14F-4D97-AF65-F5344CB8AC3E}">
-        <p14:creationId xmlns:p14="http://schemas.microsoft.com/office/powerpoint/2010/main" val="4039531"/>
+        <p14:creationId xmlns:p14="http://schemas.microsoft.com/office/powerpoint/2010/main" xmlns="" val="4039531"/>
       </p:ext>
     </p:extLst>
   </p:cSld>
@@ -745,7 +748,8 @@
           <a:p>
             <a:fld id="{4D1254BA-7CCA-5943-9975-E037259FF833}" type="datetimeFigureOut">
               <a:rPr lang="en-US" smtClean="0"/>
-              <a:t>7/29/11</a:t>
+              <a:pPr/>
+              <a:t>8/12/2011</a:t>
             </a:fld>
             <a:endParaRPr lang="en-US"/>
           </a:p>
@@ -787,6 +791,7 @@
           <a:p>
             <a:fld id="{D974CFC1-D965-1241-834C-0C16C86BDF6A}" type="slidenum">
               <a:rPr lang="en-US" smtClean="0"/>
+              <a:pPr/>
               <a:t>‹#›</a:t>
             </a:fld>
             <a:endParaRPr lang="en-US"/>
@@ -796,7 +801,7 @@
     </p:spTree>
     <p:extLst>
       <p:ext uri="{BB962C8B-B14F-4D97-AF65-F5344CB8AC3E}">
-        <p14:creationId xmlns:p14="http://schemas.microsoft.com/office/powerpoint/2010/main" val="4175362383"/>
+        <p14:creationId xmlns:p14="http://schemas.microsoft.com/office/powerpoint/2010/main" xmlns="" val="4175362383"/>
       </p:ext>
     </p:extLst>
   </p:cSld>
@@ -915,7 +920,8 @@
           <a:p>
             <a:fld id="{4D1254BA-7CCA-5943-9975-E037259FF833}" type="datetimeFigureOut">
               <a:rPr lang="en-US" smtClean="0"/>
-              <a:t>7/29/11</a:t>
+              <a:pPr/>
+              <a:t>8/12/2011</a:t>
             </a:fld>
             <a:endParaRPr lang="en-US"/>
           </a:p>
@@ -957,6 +963,7 @@
           <a:p>
             <a:fld id="{D974CFC1-D965-1241-834C-0C16C86BDF6A}" type="slidenum">
               <a:rPr lang="en-US" smtClean="0"/>
+              <a:pPr/>
               <a:t>‹#›</a:t>
             </a:fld>
             <a:endParaRPr lang="en-US"/>
@@ -966,7 +973,7 @@
     </p:spTree>
     <p:extLst>
       <p:ext uri="{BB962C8B-B14F-4D97-AF65-F5344CB8AC3E}">
-        <p14:creationId xmlns:p14="http://schemas.microsoft.com/office/powerpoint/2010/main" val="3484142695"/>
+        <p14:creationId xmlns:p14="http://schemas.microsoft.com/office/powerpoint/2010/main" xmlns="" val="3484142695"/>
       </p:ext>
     </p:extLst>
   </p:cSld>
@@ -1095,7 +1102,8 @@
           <a:p>
             <a:fld id="{4D1254BA-7CCA-5943-9975-E037259FF833}" type="datetimeFigureOut">
               <a:rPr lang="en-US" smtClean="0"/>
-              <a:t>7/29/11</a:t>
+              <a:pPr/>
+              <a:t>8/12/2011</a:t>
             </a:fld>
             <a:endParaRPr lang="en-US"/>
           </a:p>
@@ -1137,6 +1145,7 @@
           <a:p>
             <a:fld id="{D974CFC1-D965-1241-834C-0C16C86BDF6A}" type="slidenum">
               <a:rPr lang="en-US" smtClean="0"/>
+              <a:pPr/>
               <a:t>‹#›</a:t>
             </a:fld>
             <a:endParaRPr lang="en-US"/>
@@ -1146,7 +1155,7 @@
     </p:spTree>
     <p:extLst>
       <p:ext uri="{BB962C8B-B14F-4D97-AF65-F5344CB8AC3E}">
-        <p14:creationId xmlns:p14="http://schemas.microsoft.com/office/powerpoint/2010/main" val="3480438757"/>
+        <p14:creationId xmlns:p14="http://schemas.microsoft.com/office/powerpoint/2010/main" xmlns="" val="3480438757"/>
       </p:ext>
     </p:extLst>
   </p:cSld>
@@ -1265,7 +1274,8 @@
           <a:p>
             <a:fld id="{4D1254BA-7CCA-5943-9975-E037259FF833}" type="datetimeFigureOut">
               <a:rPr lang="en-US" smtClean="0"/>
-              <a:t>7/29/11</a:t>
+              <a:pPr/>
+              <a:t>8/12/2011</a:t>
             </a:fld>
             <a:endParaRPr lang="en-US"/>
           </a:p>
@@ -1307,6 +1317,7 @@
           <a:p>
             <a:fld id="{D974CFC1-D965-1241-834C-0C16C86BDF6A}" type="slidenum">
               <a:rPr lang="en-US" smtClean="0"/>
+              <a:pPr/>
               <a:t>‹#›</a:t>
             </a:fld>
             <a:endParaRPr lang="en-US"/>
@@ -1316,7 +1327,7 @@
     </p:spTree>
     <p:extLst>
       <p:ext uri="{BB962C8B-B14F-4D97-AF65-F5344CB8AC3E}">
-        <p14:creationId xmlns:p14="http://schemas.microsoft.com/office/powerpoint/2010/main" val="3858241903"/>
+        <p14:creationId xmlns:p14="http://schemas.microsoft.com/office/powerpoint/2010/main" xmlns="" val="3858241903"/>
       </p:ext>
     </p:extLst>
   </p:cSld>
@@ -1511,7 +1522,8 @@
           <a:p>
             <a:fld id="{4D1254BA-7CCA-5943-9975-E037259FF833}" type="datetimeFigureOut">
               <a:rPr lang="en-US" smtClean="0"/>
-              <a:t>7/29/11</a:t>
+              <a:pPr/>
+              <a:t>8/12/2011</a:t>
             </a:fld>
             <a:endParaRPr lang="en-US"/>
           </a:p>
@@ -1553,6 +1565,7 @@
           <a:p>
             <a:fld id="{D974CFC1-D965-1241-834C-0C16C86BDF6A}" type="slidenum">
               <a:rPr lang="en-US" smtClean="0"/>
+              <a:pPr/>
               <a:t>‹#›</a:t>
             </a:fld>
             <a:endParaRPr lang="en-US"/>
@@ -1562,7 +1575,7 @@
     </p:spTree>
     <p:extLst>
       <p:ext uri="{BB962C8B-B14F-4D97-AF65-F5344CB8AC3E}">
-        <p14:creationId xmlns:p14="http://schemas.microsoft.com/office/powerpoint/2010/main" val="3046139139"/>
+        <p14:creationId xmlns:p14="http://schemas.microsoft.com/office/powerpoint/2010/main" xmlns="" val="3046139139"/>
       </p:ext>
     </p:extLst>
   </p:cSld>
@@ -1799,7 +1812,8 @@
           <a:p>
             <a:fld id="{4D1254BA-7CCA-5943-9975-E037259FF833}" type="datetimeFigureOut">
               <a:rPr lang="en-US" smtClean="0"/>
-              <a:t>7/29/11</a:t>
+              <a:pPr/>
+              <a:t>8/12/2011</a:t>
             </a:fld>
             <a:endParaRPr lang="en-US"/>
           </a:p>
@@ -1841,6 +1855,7 @@
           <a:p>
             <a:fld id="{D974CFC1-D965-1241-834C-0C16C86BDF6A}" type="slidenum">
               <a:rPr lang="en-US" smtClean="0"/>
+              <a:pPr/>
               <a:t>‹#›</a:t>
             </a:fld>
             <a:endParaRPr lang="en-US"/>
@@ -1850,7 +1865,7 @@
     </p:spTree>
     <p:extLst>
       <p:ext uri="{BB962C8B-B14F-4D97-AF65-F5344CB8AC3E}">
-        <p14:creationId xmlns:p14="http://schemas.microsoft.com/office/powerpoint/2010/main" val="2601137797"/>
+        <p14:creationId xmlns:p14="http://schemas.microsoft.com/office/powerpoint/2010/main" xmlns="" val="2601137797"/>
       </p:ext>
     </p:extLst>
   </p:cSld>
@@ -2221,7 +2236,8 @@
           <a:p>
             <a:fld id="{4D1254BA-7CCA-5943-9975-E037259FF833}" type="datetimeFigureOut">
               <a:rPr lang="en-US" smtClean="0"/>
-              <a:t>7/29/11</a:t>
+              <a:pPr/>
+              <a:t>8/12/2011</a:t>
             </a:fld>
             <a:endParaRPr lang="en-US"/>
           </a:p>
@@ -2263,6 +2279,7 @@
           <a:p>
             <a:fld id="{D974CFC1-D965-1241-834C-0C16C86BDF6A}" type="slidenum">
               <a:rPr lang="en-US" smtClean="0"/>
+              <a:pPr/>
               <a:t>‹#›</a:t>
             </a:fld>
             <a:endParaRPr lang="en-US"/>
@@ -2272,7 +2289,7 @@
     </p:spTree>
     <p:extLst>
       <p:ext uri="{BB962C8B-B14F-4D97-AF65-F5344CB8AC3E}">
-        <p14:creationId xmlns:p14="http://schemas.microsoft.com/office/powerpoint/2010/main" val="3915736295"/>
+        <p14:creationId xmlns:p14="http://schemas.microsoft.com/office/powerpoint/2010/main" xmlns="" val="3915736295"/>
       </p:ext>
     </p:extLst>
   </p:cSld>
@@ -2339,7 +2356,8 @@
           <a:p>
             <a:fld id="{4D1254BA-7CCA-5943-9975-E037259FF833}" type="datetimeFigureOut">
               <a:rPr lang="en-US" smtClean="0"/>
-              <a:t>7/29/11</a:t>
+              <a:pPr/>
+              <a:t>8/12/2011</a:t>
             </a:fld>
             <a:endParaRPr lang="en-US"/>
           </a:p>
@@ -2381,6 +2399,7 @@
           <a:p>
             <a:fld id="{D974CFC1-D965-1241-834C-0C16C86BDF6A}" type="slidenum">
               <a:rPr lang="en-US" smtClean="0"/>
+              <a:pPr/>
               <a:t>‹#›</a:t>
             </a:fld>
             <a:endParaRPr lang="en-US"/>
@@ -2390,7 +2409,7 @@
     </p:spTree>
     <p:extLst>
       <p:ext uri="{BB962C8B-B14F-4D97-AF65-F5344CB8AC3E}">
-        <p14:creationId xmlns:p14="http://schemas.microsoft.com/office/powerpoint/2010/main" val="1277570096"/>
+        <p14:creationId xmlns:p14="http://schemas.microsoft.com/office/powerpoint/2010/main" xmlns="" val="1277570096"/>
       </p:ext>
     </p:extLst>
   </p:cSld>
@@ -2434,7 +2453,8 @@
           <a:p>
             <a:fld id="{4D1254BA-7CCA-5943-9975-E037259FF833}" type="datetimeFigureOut">
               <a:rPr lang="en-US" smtClean="0"/>
-              <a:t>7/29/11</a:t>
+              <a:pPr/>
+              <a:t>8/12/2011</a:t>
             </a:fld>
             <a:endParaRPr lang="en-US"/>
           </a:p>
@@ -2476,6 +2496,7 @@
           <a:p>
             <a:fld id="{D974CFC1-D965-1241-834C-0C16C86BDF6A}" type="slidenum">
               <a:rPr lang="en-US" smtClean="0"/>
+              <a:pPr/>
               <a:t>‹#›</a:t>
             </a:fld>
             <a:endParaRPr lang="en-US"/>
@@ -2485,7 +2506,7 @@
     </p:spTree>
     <p:extLst>
       <p:ext uri="{BB962C8B-B14F-4D97-AF65-F5344CB8AC3E}">
-        <p14:creationId xmlns:p14="http://schemas.microsoft.com/office/powerpoint/2010/main" val="1973116335"/>
+        <p14:creationId xmlns:p14="http://schemas.microsoft.com/office/powerpoint/2010/main" xmlns="" val="1973116335"/>
       </p:ext>
     </p:extLst>
   </p:cSld>
@@ -2711,7 +2732,8 @@
           <a:p>
             <a:fld id="{4D1254BA-7CCA-5943-9975-E037259FF833}" type="datetimeFigureOut">
               <a:rPr lang="en-US" smtClean="0"/>
-              <a:t>7/29/11</a:t>
+              <a:pPr/>
+              <a:t>8/12/2011</a:t>
             </a:fld>
             <a:endParaRPr lang="en-US"/>
           </a:p>
@@ -2753,6 +2775,7 @@
           <a:p>
             <a:fld id="{D974CFC1-D965-1241-834C-0C16C86BDF6A}" type="slidenum">
               <a:rPr lang="en-US" smtClean="0"/>
+              <a:pPr/>
               <a:t>‹#›</a:t>
             </a:fld>
             <a:endParaRPr lang="en-US"/>
@@ -2762,7 +2785,7 @@
     </p:spTree>
     <p:extLst>
       <p:ext uri="{BB962C8B-B14F-4D97-AF65-F5344CB8AC3E}">
-        <p14:creationId xmlns:p14="http://schemas.microsoft.com/office/powerpoint/2010/main" val="2959366799"/>
+        <p14:creationId xmlns:p14="http://schemas.microsoft.com/office/powerpoint/2010/main" xmlns="" val="2959366799"/>
       </p:ext>
     </p:extLst>
   </p:cSld>
@@ -2964,7 +2987,8 @@
           <a:p>
             <a:fld id="{4D1254BA-7CCA-5943-9975-E037259FF833}" type="datetimeFigureOut">
               <a:rPr lang="en-US" smtClean="0"/>
-              <a:t>7/29/11</a:t>
+              <a:pPr/>
+              <a:t>8/12/2011</a:t>
             </a:fld>
             <a:endParaRPr lang="en-US"/>
           </a:p>
@@ -3006,6 +3030,7 @@
           <a:p>
             <a:fld id="{D974CFC1-D965-1241-834C-0C16C86BDF6A}" type="slidenum">
               <a:rPr lang="en-US" smtClean="0"/>
+              <a:pPr/>
               <a:t>‹#›</a:t>
             </a:fld>
             <a:endParaRPr lang="en-US"/>
@@ -3015,7 +3040,7 @@
     </p:spTree>
     <p:extLst>
       <p:ext uri="{BB962C8B-B14F-4D97-AF65-F5344CB8AC3E}">
-        <p14:creationId xmlns:p14="http://schemas.microsoft.com/office/powerpoint/2010/main" val="2634514621"/>
+        <p14:creationId xmlns:p14="http://schemas.microsoft.com/office/powerpoint/2010/main" xmlns="" val="2634514621"/>
       </p:ext>
     </p:extLst>
   </p:cSld>
@@ -3177,7 +3202,8 @@
           <a:p>
             <a:fld id="{4D1254BA-7CCA-5943-9975-E037259FF833}" type="datetimeFigureOut">
               <a:rPr lang="en-US" smtClean="0"/>
-              <a:t>7/29/11</a:t>
+              <a:pPr/>
+              <a:t>8/12/2011</a:t>
             </a:fld>
             <a:endParaRPr lang="en-US"/>
           </a:p>
@@ -3255,6 +3281,7 @@
           <a:p>
             <a:fld id="{D974CFC1-D965-1241-834C-0C16C86BDF6A}" type="slidenum">
               <a:rPr lang="en-US" smtClean="0"/>
+              <a:pPr/>
               <a:t>‹#›</a:t>
             </a:fld>
             <a:endParaRPr lang="en-US"/>
@@ -3264,7 +3291,7 @@
     </p:spTree>
     <p:extLst>
       <p:ext uri="{BB962C8B-B14F-4D97-AF65-F5344CB8AC3E}">
-        <p14:creationId xmlns:p14="http://schemas.microsoft.com/office/powerpoint/2010/main" val="4026247719"/>
+        <p14:creationId xmlns:p14="http://schemas.microsoft.com/office/powerpoint/2010/main" xmlns="" val="4026247719"/>
       </p:ext>
     </p:extLst>
   </p:cSld>
@@ -3625,7 +3652,7 @@
     </p:spTree>
     <p:extLst>
       <p:ext uri="{BB962C8B-B14F-4D97-AF65-F5344CB8AC3E}">
-        <p14:creationId xmlns:p14="http://schemas.microsoft.com/office/powerpoint/2010/main" val="1445323488"/>
+        <p14:creationId xmlns:p14="http://schemas.microsoft.com/office/powerpoint/2010/main" xmlns="" val="1445323488"/>
       </p:ext>
     </p:extLst>
   </p:cSld>
@@ -3635,7 +3662,7 @@
   <p:timing>
     <p:tnLst>
       <p:par>
-        <p:cTn xmlns:p14="http://schemas.microsoft.com/office/powerpoint/2010/main" id="1" dur="indefinite" restart="never" nodeType="tmRoot"/>
+        <p:cTn id="1" dur="indefinite" restart="never" nodeType="tmRoot"/>
       </p:par>
     </p:tnLst>
   </p:timing>
@@ -3764,7 +3791,7 @@
     </p:spTree>
     <p:extLst>
       <p:ext uri="{BB962C8B-B14F-4D97-AF65-F5344CB8AC3E}">
-        <p14:creationId xmlns:p14="http://schemas.microsoft.com/office/powerpoint/2010/main" val="3727191213"/>
+        <p14:creationId xmlns:p14="http://schemas.microsoft.com/office/powerpoint/2010/main" xmlns="" val="3727191213"/>
       </p:ext>
     </p:extLst>
   </p:cSld>
@@ -3774,7 +3801,7 @@
   <p:timing>
     <p:tnLst>
       <p:par>
-        <p:cTn xmlns:p14="http://schemas.microsoft.com/office/powerpoint/2010/main" id="1" dur="indefinite" restart="never" nodeType="tmRoot"/>
+        <p:cTn id="1" dur="indefinite" restart="never" nodeType="tmRoot"/>
       </p:par>
     </p:tnLst>
   </p:timing>
@@ -4325,7 +4352,7 @@
     </p:spTree>
     <p:extLst>
       <p:ext uri="{BB962C8B-B14F-4D97-AF65-F5344CB8AC3E}">
-        <p14:creationId xmlns:p14="http://schemas.microsoft.com/office/powerpoint/2010/main" val="2860861957"/>
+        <p14:creationId xmlns:p14="http://schemas.microsoft.com/office/powerpoint/2010/main" xmlns="" val="2860861957"/>
       </p:ext>
     </p:extLst>
   </p:cSld>
@@ -4335,7 +4362,7 @@
   <p:timing>
     <p:tnLst>
       <p:par>
-        <p:cTn xmlns:p14="http://schemas.microsoft.com/office/powerpoint/2010/main" id="1" dur="indefinite" restart="never" nodeType="tmRoot">
+        <p:cTn id="1" dur="indefinite" restart="never" nodeType="tmRoot">
           <p:childTnLst>
             <p:seq concurrent="1" nextAc="seek">
               <p:cTn id="2" dur="indefinite" nodeType="mainSeq">
@@ -4867,8 +4894,17 @@
           <a:p>
             <a:r>
               <a:rPr lang="en-US" dirty="0" smtClean="0"/>
-              <a:t>“Chainable” – can be bound to exchanges</a:t>
-            </a:r>
+              <a:t>“Chainable” – </a:t>
+            </a:r>
+            <a:r>
+              <a:rPr lang="en-US" dirty="0" smtClean="0"/>
+              <a:t>can bind to other </a:t>
+            </a:r>
+            <a:r>
+              <a:rPr lang="en-US" dirty="0" smtClean="0"/>
+              <a:t>exchanges</a:t>
+            </a:r>
+            <a:endParaRPr lang="en-US" dirty="0" smtClean="0"/>
           </a:p>
           <a:p>
             <a:r>
@@ -4906,7 +4942,7 @@
     </p:spTree>
     <p:extLst>
       <p:ext uri="{BB962C8B-B14F-4D97-AF65-F5344CB8AC3E}">
-        <p14:creationId xmlns:p14="http://schemas.microsoft.com/office/powerpoint/2010/main" val="2038371633"/>
+        <p14:creationId xmlns:p14="http://schemas.microsoft.com/office/powerpoint/2010/main" xmlns="" val="2038371633"/>
       </p:ext>
     </p:extLst>
   </p:cSld>
@@ -4916,7 +4952,7 @@
   <p:timing>
     <p:tnLst>
       <p:par>
-        <p:cTn xmlns:p14="http://schemas.microsoft.com/office/powerpoint/2010/main" id="1" dur="indefinite" restart="never" nodeType="tmRoot"/>
+        <p:cTn id="1" dur="indefinite" restart="never" nodeType="tmRoot"/>
       </p:par>
     </p:tnLst>
   </p:timing>
@@ -5130,7 +5166,7 @@
     </p:spTree>
     <p:extLst>
       <p:ext uri="{BB962C8B-B14F-4D97-AF65-F5344CB8AC3E}">
-        <p14:creationId xmlns:p14="http://schemas.microsoft.com/office/powerpoint/2010/main" val="2036651883"/>
+        <p14:creationId xmlns:p14="http://schemas.microsoft.com/office/powerpoint/2010/main" xmlns="" val="2036651883"/>
       </p:ext>
     </p:extLst>
   </p:cSld>
@@ -5140,7 +5176,7 @@
   <p:timing>
     <p:tnLst>
       <p:par>
-        <p:cTn xmlns:p14="http://schemas.microsoft.com/office/powerpoint/2010/main" id="1" dur="indefinite" restart="never" nodeType="tmRoot"/>
+        <p:cTn id="1" dur="indefinite" restart="never" nodeType="tmRoot"/>
       </p:par>
     </p:tnLst>
   </p:timing>
@@ -5554,7 +5590,7 @@
     </p:spTree>
     <p:extLst>
       <p:ext uri="{BB962C8B-B14F-4D97-AF65-F5344CB8AC3E}">
-        <p14:creationId xmlns:p14="http://schemas.microsoft.com/office/powerpoint/2010/main" val="3111764777"/>
+        <p14:creationId xmlns:p14="http://schemas.microsoft.com/office/powerpoint/2010/main" xmlns="" val="3111764777"/>
       </p:ext>
     </p:extLst>
   </p:cSld>
@@ -5564,7 +5600,7 @@
   <p:timing>
     <p:tnLst>
       <p:par>
-        <p:cTn xmlns:p14="http://schemas.microsoft.com/office/powerpoint/2010/main" id="1" dur="indefinite" restart="never" nodeType="tmRoot"/>
+        <p:cTn id="1" dur="indefinite" restart="never" nodeType="tmRoot"/>
       </p:par>
     </p:tnLst>
   </p:timing>
@@ -5966,7 +6002,7 @@
     </p:spTree>
     <p:extLst>
       <p:ext uri="{BB962C8B-B14F-4D97-AF65-F5344CB8AC3E}">
-        <p14:creationId xmlns:p14="http://schemas.microsoft.com/office/powerpoint/2010/main" val="4055599914"/>
+        <p14:creationId xmlns:p14="http://schemas.microsoft.com/office/powerpoint/2010/main" xmlns="" val="4055599914"/>
       </p:ext>
     </p:extLst>
   </p:cSld>
@@ -5976,7 +6012,7 @@
   <p:timing>
     <p:tnLst>
       <p:par>
-        <p:cTn xmlns:p14="http://schemas.microsoft.com/office/powerpoint/2010/main" id="1" dur="indefinite" restart="never" nodeType="tmRoot"/>
+        <p:cTn id="1" dur="indefinite" restart="never" nodeType="tmRoot"/>
       </p:par>
     </p:tnLst>
   </p:timing>
@@ -6060,7 +6096,7 @@
     </p:spTree>
     <p:extLst>
       <p:ext uri="{BB962C8B-B14F-4D97-AF65-F5344CB8AC3E}">
-        <p14:creationId xmlns:p14="http://schemas.microsoft.com/office/powerpoint/2010/main" val="618666132"/>
+        <p14:creationId xmlns:p14="http://schemas.microsoft.com/office/powerpoint/2010/main" xmlns="" val="618666132"/>
       </p:ext>
     </p:extLst>
   </p:cSld>
@@ -6070,7 +6106,7 @@
   <p:timing>
     <p:tnLst>
       <p:par>
-        <p:cTn xmlns:p14="http://schemas.microsoft.com/office/powerpoint/2010/main" id="1" dur="indefinite" restart="never" nodeType="tmRoot"/>
+        <p:cTn id="1" dur="indefinite" restart="never" nodeType="tmRoot"/>
       </p:par>
     </p:tnLst>
   </p:timing>
@@ -6154,7 +6190,6 @@
               <a:rPr lang="en-US" dirty="0" smtClean="0"/>
               <a:t>Mandatory – require one bound queue</a:t>
             </a:r>
-            <a:endParaRPr lang="en-US" dirty="0" smtClean="0"/>
           </a:p>
           <a:p>
             <a:r>
@@ -6167,7 +6202,7 @@
     </p:spTree>
     <p:extLst>
       <p:ext uri="{BB962C8B-B14F-4D97-AF65-F5344CB8AC3E}">
-        <p14:creationId xmlns:p14="http://schemas.microsoft.com/office/powerpoint/2010/main" val="2673012972"/>
+        <p14:creationId xmlns:p14="http://schemas.microsoft.com/office/powerpoint/2010/main" xmlns="" val="2673012972"/>
       </p:ext>
     </p:extLst>
   </p:cSld>
@@ -6177,7 +6212,7 @@
   <p:timing>
     <p:tnLst>
       <p:par>
-        <p:cTn xmlns:p14="http://schemas.microsoft.com/office/powerpoint/2010/main" id="1" dur="indefinite" restart="never" nodeType="tmRoot"/>
+        <p:cTn id="1" dur="indefinite" restart="never" nodeType="tmRoot"/>
       </p:par>
     </p:tnLst>
   </p:timing>
@@ -6267,7 +6302,7 @@
     </p:spTree>
     <p:extLst>
       <p:ext uri="{BB962C8B-B14F-4D97-AF65-F5344CB8AC3E}">
-        <p14:creationId xmlns:p14="http://schemas.microsoft.com/office/powerpoint/2010/main" val="4096890464"/>
+        <p14:creationId xmlns:p14="http://schemas.microsoft.com/office/powerpoint/2010/main" xmlns="" val="4096890464"/>
       </p:ext>
     </p:extLst>
   </p:cSld>
@@ -6277,7 +6312,7 @@
   <p:timing>
     <p:tnLst>
       <p:par>
-        <p:cTn xmlns:p14="http://schemas.microsoft.com/office/powerpoint/2010/main" id="1" dur="indefinite" restart="never" nodeType="tmRoot"/>
+        <p:cTn id="1" dur="indefinite" restart="never" nodeType="tmRoot"/>
       </p:par>
     </p:tnLst>
   </p:timing>
@@ -6358,7 +6393,7 @@
     </p:spTree>
     <p:extLst>
       <p:ext uri="{BB962C8B-B14F-4D97-AF65-F5344CB8AC3E}">
-        <p14:creationId xmlns:p14="http://schemas.microsoft.com/office/powerpoint/2010/main" val="1148363130"/>
+        <p14:creationId xmlns:p14="http://schemas.microsoft.com/office/powerpoint/2010/main" xmlns="" val="1148363130"/>
       </p:ext>
     </p:extLst>
   </p:cSld>
@@ -6368,7 +6403,7 @@
   <p:timing>
     <p:tnLst>
       <p:par>
-        <p:cTn xmlns:p14="http://schemas.microsoft.com/office/powerpoint/2010/main" id="1" dur="indefinite" restart="never" nodeType="tmRoot"/>
+        <p:cTn id="1" dur="indefinite" restart="never" nodeType="tmRoot"/>
       </p:par>
     </p:tnLst>
   </p:timing>
@@ -6498,7 +6533,7 @@
     </p:spTree>
     <p:extLst>
       <p:ext uri="{BB962C8B-B14F-4D97-AF65-F5344CB8AC3E}">
-        <p14:creationId xmlns:p14="http://schemas.microsoft.com/office/powerpoint/2010/main" val="2118395177"/>
+        <p14:creationId xmlns:p14="http://schemas.microsoft.com/office/powerpoint/2010/main" xmlns="" val="2118395177"/>
       </p:ext>
     </p:extLst>
   </p:cSld>
@@ -6508,7 +6543,7 @@
   <p:timing>
     <p:tnLst>
       <p:par>
-        <p:cTn xmlns:p14="http://schemas.microsoft.com/office/powerpoint/2010/main" id="1" dur="indefinite" restart="never" nodeType="tmRoot"/>
+        <p:cTn id="1" dur="indefinite" restart="never" nodeType="tmRoot"/>
       </p:par>
     </p:tnLst>
   </p:timing>
@@ -6549,7 +6584,7 @@
           <a:p>
             <a:r>
               <a:rPr lang="en-US" dirty="0" smtClean="0"/>
-              <a:t>The Path To Enlightenment…</a:t>
+              <a:t>From Here</a:t>
             </a:r>
             <a:endParaRPr lang="en-US" dirty="0"/>
           </a:p>
@@ -6634,7 +6669,7 @@
     </p:spTree>
     <p:extLst>
       <p:ext uri="{BB962C8B-B14F-4D97-AF65-F5344CB8AC3E}">
-        <p14:creationId xmlns:p14="http://schemas.microsoft.com/office/powerpoint/2010/main" val="3171703281"/>
+        <p14:creationId xmlns:p14="http://schemas.microsoft.com/office/powerpoint/2010/main" xmlns="" val="3171703281"/>
       </p:ext>
     </p:extLst>
   </p:cSld>
@@ -6644,7 +6679,7 @@
   <p:timing>
     <p:tnLst>
       <p:par>
-        <p:cTn xmlns:p14="http://schemas.microsoft.com/office/powerpoint/2010/main" id="1" dur="indefinite" restart="never" nodeType="tmRoot"/>
+        <p:cTn id="1" dur="indefinite" restart="never" nodeType="tmRoot"/>
       </p:par>
     </p:tnLst>
   </p:timing>
@@ -6776,7 +6811,7 @@
     </p:spTree>
     <p:extLst>
       <p:ext uri="{BB962C8B-B14F-4D97-AF65-F5344CB8AC3E}">
-        <p14:creationId xmlns:p14="http://schemas.microsoft.com/office/powerpoint/2010/main" val="2330615728"/>
+        <p14:creationId xmlns:p14="http://schemas.microsoft.com/office/powerpoint/2010/main" xmlns="" val="2330615728"/>
       </p:ext>
     </p:extLst>
   </p:cSld>
@@ -6786,7 +6821,7 @@
   <p:timing>
     <p:tnLst>
       <p:par>
-        <p:cTn xmlns:p14="http://schemas.microsoft.com/office/powerpoint/2010/main" id="1" dur="indefinite" restart="never" nodeType="tmRoot"/>
+        <p:cTn id="1" dur="indefinite" restart="never" nodeType="tmRoot"/>
       </p:par>
     </p:tnLst>
   </p:timing>
@@ -6829,11 +6864,7 @@
           <a:p>
             <a:r>
               <a:rPr lang="en-US" dirty="0" smtClean="0"/>
-              <a:t>Messaging, </a:t>
-            </a:r>
-            <a:r>
-              <a:rPr lang="en-US" dirty="0" err="1" smtClean="0"/>
-              <a:t>Shmessaging</a:t>
+              <a:t>Messaging?</a:t>
             </a:r>
             <a:endParaRPr lang="en-US" dirty="0"/>
           </a:p>
@@ -6856,34 +6887,51 @@
           <a:p>
             <a:r>
               <a:rPr lang="en-US" dirty="0" smtClean="0"/>
-              <a:t>Does SOAP leave you feeling dirty?</a:t>
-            </a:r>
-          </a:p>
-          <a:p>
-            <a:r>
-              <a:rPr lang="en-US" dirty="0" smtClean="0"/>
-              <a:t>Is “feature creep” your customer’s idea of process?</a:t>
-            </a:r>
-          </a:p>
-          <a:p>
-            <a:r>
-              <a:rPr lang="en-US" dirty="0" smtClean="0"/>
-              <a:t>Is SOA a 4 letter word on your team?</a:t>
-            </a:r>
-          </a:p>
-          <a:p>
-            <a:r>
-              <a:rPr lang="en-US" dirty="0" smtClean="0"/>
-              <a:t>Do you feel the need for speed?</a:t>
+              <a:t>A SOAP hammer makes everything look dirty</a:t>
+            </a:r>
+          </a:p>
+          <a:p>
+            <a:pPr lvl="1"/>
+            <a:r>
+              <a:rPr lang="en-US" dirty="0" smtClean="0"/>
+              <a:t>Behavioral coupling</a:t>
+            </a:r>
+          </a:p>
+          <a:p>
+            <a:pPr lvl="1"/>
+            <a:r>
+              <a:rPr lang="en-US" dirty="0" smtClean="0"/>
+              <a:t>Temporal coupling</a:t>
+            </a:r>
+          </a:p>
+          <a:p>
+            <a:pPr lvl="1"/>
+            <a:r>
+              <a:rPr lang="en-US" dirty="0" smtClean="0"/>
+              <a:t>Complexity</a:t>
+            </a:r>
+            <a:endParaRPr lang="en-US" dirty="0" smtClean="0"/>
+          </a:p>
+          <a:p>
+            <a:r>
+              <a:rPr lang="en-US" dirty="0" smtClean="0"/>
+              <a:t>Feature creep, brittle systems and integration</a:t>
             </a:r>
             <a:endParaRPr lang="en-US" dirty="0"/>
+          </a:p>
+          <a:p>
+            <a:r>
+              <a:rPr lang="en-US" dirty="0" smtClean="0"/>
+              <a:t>Performance</a:t>
+            </a:r>
+            <a:endParaRPr lang="en-US" dirty="0" smtClean="0"/>
           </a:p>
         </p:txBody>
       </p:sp>
     </p:spTree>
     <p:extLst>
       <p:ext uri="{BB962C8B-B14F-4D97-AF65-F5344CB8AC3E}">
-        <p14:creationId xmlns:p14="http://schemas.microsoft.com/office/powerpoint/2010/main" val="3954950989"/>
+        <p14:creationId xmlns:p14="http://schemas.microsoft.com/office/powerpoint/2010/main" xmlns="" val="3954950989"/>
       </p:ext>
     </p:extLst>
   </p:cSld>
@@ -6893,7 +6941,7 @@
   <p:timing>
     <p:tnLst>
       <p:par>
-        <p:cTn xmlns:p14="http://schemas.microsoft.com/office/powerpoint/2010/main" id="1" dur="indefinite" restart="never" nodeType="tmRoot"/>
+        <p:cTn id="1" dur="indefinite" restart="never" nodeType="tmRoot"/>
       </p:par>
     </p:tnLst>
   </p:timing>
@@ -6934,6 +6982,148 @@
           <a:p>
             <a:r>
               <a:rPr lang="en-US" dirty="0" smtClean="0"/>
+              <a:t>An </a:t>
+            </a:r>
+            <a:r>
+              <a:rPr lang="en-US" dirty="0" smtClean="0"/>
+              <a:t>Alternative To SOAP / WS-*</a:t>
+            </a:r>
+            <a:endParaRPr lang="en-US" dirty="0"/>
+          </a:p>
+        </p:txBody>
+      </p:sp>
+      <p:sp>
+        <p:nvSpPr>
+          <p:cNvPr id="3" name="Content Placeholder 2"/>
+          <p:cNvSpPr>
+            <a:spLocks noGrp="1"/>
+          </p:cNvSpPr>
+          <p:nvPr>
+            <p:ph idx="1"/>
+          </p:nvPr>
+        </p:nvSpPr>
+        <p:spPr/>
+        <p:txBody>
+          <a:bodyPr>
+            <a:normAutofit/>
+          </a:bodyPr>
+          <a:lstStyle/>
+          <a:p>
+            <a:r>
+              <a:rPr lang="en-US" dirty="0" smtClean="0"/>
+              <a:t>The message broker becomes the only end-point you care about*</a:t>
+            </a:r>
+          </a:p>
+          <a:p>
+            <a:r>
+              <a:rPr lang="en-US" dirty="0" smtClean="0"/>
+              <a:t>Say good bye to tight temporal coupling</a:t>
+            </a:r>
+          </a:p>
+          <a:p>
+            <a:r>
+              <a:rPr lang="en-US" dirty="0" smtClean="0"/>
+              <a:t>The message becomes your only contract</a:t>
+            </a:r>
+          </a:p>
+          <a:p>
+            <a:r>
+              <a:rPr lang="en-US" dirty="0" smtClean="0"/>
+              <a:t>Forgiving </a:t>
+            </a:r>
+            <a:r>
+              <a:rPr lang="en-US" dirty="0" err="1" smtClean="0"/>
+              <a:t>serializers</a:t>
+            </a:r>
+            <a:r>
+              <a:rPr lang="en-US" dirty="0" smtClean="0"/>
+              <a:t> (i.e. JSON) are your friend</a:t>
+            </a:r>
+          </a:p>
+          <a:p>
+            <a:r>
+              <a:rPr lang="en-US" dirty="0" smtClean="0"/>
+              <a:t>Messages can version too</a:t>
+            </a:r>
+          </a:p>
+          <a:p>
+            <a:pPr marL="0" indent="0">
+              <a:buNone/>
+            </a:pPr>
+            <a:endParaRPr lang="en-US" dirty="0" smtClean="0"/>
+          </a:p>
+          <a:p>
+            <a:pPr marL="0" indent="0">
+              <a:buNone/>
+            </a:pPr>
+            <a:r>
+              <a:rPr lang="en-US" sz="2200" dirty="0" smtClean="0"/>
+              <a:t>* ok, so you also care about messaging topology </a:t>
+            </a:r>
+            <a:r>
+              <a:rPr lang="en-US" sz="2200" dirty="0" smtClean="0">
+                <a:sym typeface="Wingdings"/>
+              </a:rPr>
+              <a:t></a:t>
+            </a:r>
+            <a:endParaRPr lang="en-US" dirty="0"/>
+          </a:p>
+        </p:txBody>
+      </p:sp>
+    </p:spTree>
+    <p:extLst>
+      <p:ext uri="{BB962C8B-B14F-4D97-AF65-F5344CB8AC3E}">
+        <p14:creationId xmlns:p14="http://schemas.microsoft.com/office/powerpoint/2010/main" xmlns="" val="3007333811"/>
+      </p:ext>
+    </p:extLst>
+  </p:cSld>
+  <p:clrMapOvr>
+    <a:masterClrMapping/>
+  </p:clrMapOvr>
+  <p:timing>
+    <p:tnLst>
+      <p:par>
+        <p:cTn id="1" dur="indefinite" restart="never" nodeType="tmRoot"/>
+      </p:par>
+    </p:tnLst>
+  </p:timing>
+</p:sld>
+</file>
+
+<file path=ppt/slides/slide5.xml><?xml version="1.0" encoding="utf-8"?>
+<p:sld xmlns:a="http://schemas.openxmlformats.org/drawingml/2006/main" xmlns:r="http://schemas.openxmlformats.org/officeDocument/2006/relationships" xmlns:p="http://schemas.openxmlformats.org/presentationml/2006/main">
+  <p:cSld>
+    <p:spTree>
+      <p:nvGrpSpPr>
+        <p:cNvPr id="1" name=""/>
+        <p:cNvGrpSpPr/>
+        <p:nvPr/>
+      </p:nvGrpSpPr>
+      <p:grpSpPr>
+        <a:xfrm>
+          <a:off x="0" y="0"/>
+          <a:ext cx="0" cy="0"/>
+          <a:chOff x="0" y="0"/>
+          <a:chExt cx="0" cy="0"/>
+        </a:xfrm>
+      </p:grpSpPr>
+      <p:sp>
+        <p:nvSpPr>
+          <p:cNvPr id="2" name="Title 1"/>
+          <p:cNvSpPr>
+            <a:spLocks noGrp="1"/>
+          </p:cNvSpPr>
+          <p:nvPr>
+            <p:ph type="title"/>
+          </p:nvPr>
+        </p:nvSpPr>
+        <p:spPr/>
+        <p:txBody>
+          <a:bodyPr/>
+          <a:lstStyle/>
+          <a:p>
+            <a:r>
+              <a:rPr lang="en-US" dirty="0" smtClean="0"/>
               <a:t>Pattern: Request / Response</a:t>
             </a:r>
             <a:endParaRPr lang="en-US" dirty="0"/>
@@ -6976,7 +7166,7 @@
             <a:pPr algn="ctr"/>
             <a:r>
               <a:rPr lang="en-US" dirty="0" smtClean="0"/>
-              <a:t>Producer</a:t>
+              <a:t>Requestor</a:t>
             </a:r>
             <a:endParaRPr lang="en-US" dirty="0"/>
           </a:p>
@@ -7102,7 +7292,7 @@
             <a:pPr algn="ctr"/>
             <a:r>
               <a:rPr lang="en-US" dirty="0" smtClean="0"/>
-              <a:t>Consumer</a:t>
+              <a:t>Responder</a:t>
             </a:r>
             <a:endParaRPr lang="en-US" dirty="0"/>
           </a:p>
@@ -7488,7 +7678,7 @@
     </p:spTree>
     <p:extLst>
       <p:ext uri="{BB962C8B-B14F-4D97-AF65-F5344CB8AC3E}">
-        <p14:creationId xmlns:p14="http://schemas.microsoft.com/office/powerpoint/2010/main" val="2245570433"/>
+        <p14:creationId xmlns:p14="http://schemas.microsoft.com/office/powerpoint/2010/main" xmlns="" val="2245570433"/>
       </p:ext>
     </p:extLst>
   </p:cSld>
@@ -7498,7 +7688,7 @@
   <p:timing>
     <p:tnLst>
       <p:par>
-        <p:cTn xmlns:p14="http://schemas.microsoft.com/office/powerpoint/2010/main" id="1" dur="indefinite" restart="never" nodeType="tmRoot">
+        <p:cTn id="1" dur="indefinite" restart="never" nodeType="tmRoot">
           <p:childTnLst>
             <p:seq concurrent="1" nextAc="seek">
               <p:cTn id="2" dur="indefinite" nodeType="mainSeq">
@@ -7833,7 +8023,7 @@
 </p:sld>
 </file>
 
-<file path=ppt/slides/slide5.xml><?xml version="1.0" encoding="utf-8"?>
+<file path=ppt/slides/slide6.xml><?xml version="1.0" encoding="utf-8"?>
 <p:sld xmlns:a="http://schemas.openxmlformats.org/drawingml/2006/main" xmlns:r="http://schemas.openxmlformats.org/officeDocument/2006/relationships" xmlns:p="http://schemas.openxmlformats.org/presentationml/2006/main">
   <p:cSld>
     <p:spTree>
@@ -7867,7 +8057,7 @@
           <a:p>
             <a:r>
               <a:rPr lang="en-US" dirty="0" smtClean="0"/>
-              <a:t>As Alternative To SOAP / WS-*</a:t>
+              <a:t>Pub / Sub Is Your Friend</a:t>
             </a:r>
             <a:endParaRPr lang="en-US" dirty="0"/>
           </a:p>
@@ -7886,67 +8076,82 @@
         <p:spPr/>
         <p:txBody>
           <a:bodyPr>
-            <a:normAutofit/>
+            <a:normAutofit lnSpcReduction="10000"/>
           </a:bodyPr>
           <a:lstStyle/>
           <a:p>
             <a:r>
               <a:rPr lang="en-US" dirty="0" smtClean="0"/>
-              <a:t>The message broker becomes the only end-point you care about*</a:t>
-            </a:r>
-          </a:p>
-          <a:p>
-            <a:r>
-              <a:rPr lang="en-US" dirty="0" smtClean="0"/>
-              <a:t>Say good bye to tight temporal coupling</a:t>
+              <a:t>Problems?</a:t>
+            </a:r>
+          </a:p>
+          <a:p>
+            <a:pPr lvl="1"/>
+            <a:r>
+              <a:rPr lang="en-US" dirty="0" smtClean="0"/>
+              <a:t>Brittle </a:t>
+            </a:r>
+            <a:r>
+              <a:rPr lang="en-US" dirty="0" smtClean="0"/>
+              <a:t>legacy system</a:t>
+            </a:r>
+          </a:p>
+          <a:p>
+            <a:pPr lvl="1"/>
+            <a:r>
+              <a:rPr lang="en-US" dirty="0" smtClean="0"/>
+              <a:t>Poor performance</a:t>
+            </a:r>
+          </a:p>
+          <a:p>
+            <a:pPr lvl="1"/>
+            <a:r>
+              <a:rPr lang="en-US" dirty="0" smtClean="0"/>
+              <a:t>A long feature request </a:t>
+            </a:r>
+            <a:r>
+              <a:rPr lang="en-US" dirty="0" smtClean="0"/>
+              <a:t>list</a:t>
+            </a:r>
+          </a:p>
+          <a:p>
+            <a:pPr lvl="1"/>
+            <a:r>
+              <a:rPr lang="en-US" dirty="0" smtClean="0"/>
+              <a:t>Integration challenges</a:t>
             </a:r>
             <a:endParaRPr lang="en-US" dirty="0" smtClean="0"/>
           </a:p>
           <a:p>
             <a:r>
               <a:rPr lang="en-US" dirty="0" smtClean="0"/>
-              <a:t>The message becomes your only contract</a:t>
-            </a:r>
-          </a:p>
-          <a:p>
-            <a:r>
-              <a:rPr lang="en-US" dirty="0" smtClean="0"/>
-              <a:t>Forgiving </a:t>
-            </a:r>
-            <a:r>
-              <a:rPr lang="en-US" dirty="0" err="1" smtClean="0"/>
-              <a:t>serializers</a:t>
-            </a:r>
-            <a:r>
-              <a:rPr lang="en-US" dirty="0" smtClean="0"/>
-              <a:t> (i.e. JSON) are your friend</a:t>
-            </a:r>
-          </a:p>
-          <a:p>
-            <a:r>
-              <a:rPr lang="en-US" dirty="0" smtClean="0"/>
-              <a:t>Messages can version too</a:t>
-            </a:r>
-          </a:p>
-          <a:p>
-            <a:pPr marL="0" indent="0">
-              <a:buNone/>
-            </a:pPr>
+              <a:t>Solution</a:t>
+            </a:r>
             <a:endParaRPr lang="en-US" dirty="0" smtClean="0"/>
           </a:p>
           <a:p>
-            <a:pPr marL="0" indent="0">
-              <a:buNone/>
-            </a:pPr>
-            <a:r>
-              <a:rPr lang="en-US" sz="2200" dirty="0" smtClean="0"/>
-              <a:t>* ok, so you also care about messaging topology </a:t>
-            </a:r>
-            <a:r>
-              <a:rPr lang="en-US" sz="2200" dirty="0" smtClean="0">
-                <a:sym typeface="Wingdings"/>
-              </a:rPr>
-              <a:t></a:t>
+            <a:pPr lvl="1"/>
+            <a:r>
+              <a:rPr lang="en-US" dirty="0" smtClean="0"/>
+              <a:t>Legacy system publishes events as messages</a:t>
+            </a:r>
+          </a:p>
+          <a:p>
+            <a:pPr lvl="1"/>
+            <a:r>
+              <a:rPr lang="en-US" dirty="0" smtClean="0"/>
+              <a:t>New features are implemented as services</a:t>
+            </a:r>
+          </a:p>
+          <a:p>
+            <a:pPr lvl="1"/>
+            <a:r>
+              <a:rPr lang="en-US" dirty="0" smtClean="0"/>
+              <a:t>Services subscribe to events and react </a:t>
+            </a:r>
+            <a:r>
+              <a:rPr lang="en-US" dirty="0" smtClean="0"/>
+              <a:t>accordingly</a:t>
             </a:r>
             <a:endParaRPr lang="en-US" dirty="0"/>
           </a:p>
@@ -7955,7 +8160,7 @@
     </p:spTree>
     <p:extLst>
       <p:ext uri="{BB962C8B-B14F-4D97-AF65-F5344CB8AC3E}">
-        <p14:creationId xmlns:p14="http://schemas.microsoft.com/office/powerpoint/2010/main" val="3007333811"/>
+        <p14:creationId xmlns:p14="http://schemas.microsoft.com/office/powerpoint/2010/main" xmlns="" val="987664178"/>
       </p:ext>
     </p:extLst>
   </p:cSld>
@@ -7965,14 +8170,14 @@
   <p:timing>
     <p:tnLst>
       <p:par>
-        <p:cTn xmlns:p14="http://schemas.microsoft.com/office/powerpoint/2010/main" id="1" dur="indefinite" restart="never" nodeType="tmRoot"/>
+        <p:cTn id="1" dur="indefinite" restart="never" nodeType="tmRoot"/>
       </p:par>
     </p:tnLst>
   </p:timing>
 </p:sld>
 </file>
 
-<file path=ppt/slides/slide6.xml><?xml version="1.0" encoding="utf-8"?>
+<file path=ppt/slides/slide7.xml><?xml version="1.0" encoding="utf-8"?>
 <p:sld xmlns:a="http://schemas.openxmlformats.org/drawingml/2006/main" xmlns:r="http://schemas.openxmlformats.org/officeDocument/2006/relationships" xmlns:p="http://schemas.openxmlformats.org/presentationml/2006/main">
   <p:cSld>
     <p:spTree>
@@ -8542,7 +8747,7 @@
     </p:spTree>
     <p:extLst>
       <p:ext uri="{BB962C8B-B14F-4D97-AF65-F5344CB8AC3E}">
-        <p14:creationId xmlns:p14="http://schemas.microsoft.com/office/powerpoint/2010/main" val="2075929867"/>
+        <p14:creationId xmlns:p14="http://schemas.microsoft.com/office/powerpoint/2010/main" xmlns="" val="2075929867"/>
       </p:ext>
     </p:extLst>
   </p:cSld>
@@ -8552,7 +8757,7 @@
   <p:timing>
     <p:tnLst>
       <p:par>
-        <p:cTn xmlns:p14="http://schemas.microsoft.com/office/powerpoint/2010/main" id="1" dur="indefinite" restart="never" nodeType="tmRoot">
+        <p:cTn id="1" dur="indefinite" restart="never" nodeType="tmRoot">
           <p:childTnLst>
             <p:seq concurrent="1" nextAc="seek">
               <p:cTn id="2" dur="indefinite" nodeType="mainSeq">
@@ -8868,7 +9073,7 @@
 </p:sld>
 </file>
 
-<file path=ppt/slides/slide7.xml><?xml version="1.0" encoding="utf-8"?>
+<file path=ppt/slides/slide8.xml><?xml version="1.0" encoding="utf-8"?>
 <p:sld xmlns:a="http://schemas.openxmlformats.org/drawingml/2006/main" xmlns:r="http://schemas.openxmlformats.org/officeDocument/2006/relationships" xmlns:p="http://schemas.openxmlformats.org/presentationml/2006/main">
   <p:cSld>
     <p:spTree>
@@ -8902,7 +9107,7 @@
           <a:p>
             <a:r>
               <a:rPr lang="en-US" dirty="0" smtClean="0"/>
-              <a:t>Pub / Sub Is Your Friend</a:t>
+              <a:t>How Messaging Helps Throughput</a:t>
             </a:r>
             <a:endParaRPr lang="en-US" dirty="0"/>
           </a:p>
@@ -8920,59 +9125,78 @@
         </p:nvSpPr>
         <p:spPr/>
         <p:txBody>
-          <a:bodyPr/>
-          <a:lstStyle/>
-          <a:p>
-            <a:r>
-              <a:rPr lang="en-US" dirty="0" smtClean="0"/>
-              <a:t>Brittle legacy system</a:t>
-            </a:r>
-          </a:p>
-          <a:p>
-            <a:r>
-              <a:rPr lang="en-US" dirty="0" smtClean="0"/>
-              <a:t>Poor performance</a:t>
-            </a:r>
-          </a:p>
-          <a:p>
-            <a:r>
-              <a:rPr lang="en-US" dirty="0" smtClean="0"/>
-              <a:t>A long feature request list</a:t>
-            </a:r>
-          </a:p>
-          <a:p>
-            <a:r>
-              <a:rPr lang="en-US" dirty="0" smtClean="0"/>
-              <a:t>Solution?</a:t>
+          <a:bodyPr>
+            <a:normAutofit fontScale="92500" lnSpcReduction="10000"/>
+          </a:bodyPr>
+          <a:lstStyle/>
+          <a:p>
+            <a:r>
+              <a:rPr lang="en-US" dirty="0" smtClean="0"/>
+              <a:t>Throughput = total # of system ops / time</a:t>
+            </a:r>
+          </a:p>
+          <a:p>
+            <a:r>
+              <a:rPr lang="en-US" dirty="0" smtClean="0"/>
+              <a:t>Competing consumer pattern</a:t>
             </a:r>
           </a:p>
           <a:p>
             <a:pPr lvl="1"/>
             <a:r>
               <a:rPr lang="en-US" dirty="0" smtClean="0"/>
-              <a:t>Legacy system publishes events as messages</a:t>
+              <a:t>Multiple instances of a service</a:t>
             </a:r>
           </a:p>
           <a:p>
             <a:pPr lvl="1"/>
             <a:r>
               <a:rPr lang="en-US" dirty="0" smtClean="0"/>
-              <a:t>New features are implemented as services</a:t>
+              <a:t>Subscribe to the same work queue</a:t>
             </a:r>
           </a:p>
           <a:p>
             <a:pPr lvl="1"/>
             <a:r>
               <a:rPr lang="en-US" dirty="0" smtClean="0"/>
-              <a:t>Services subscribe to events and react accordingly</a:t>
+              <a:t>‘Compete’ to get available work</a:t>
             </a:r>
           </a:p>
           <a:p>
             <a:pPr lvl="1"/>
             <a:r>
               <a:rPr lang="en-US" dirty="0" smtClean="0"/>
-              <a:t>Example: Real-time metrics</a:t>
-            </a:r>
+              <a:t>Add consumers as needed*</a:t>
+            </a:r>
+          </a:p>
+          <a:p>
+            <a:r>
+              <a:rPr lang="en-US" dirty="0" smtClean="0"/>
+              <a:t>Example: how competing consumers saved my bacon</a:t>
+            </a:r>
+            <a:endParaRPr lang="en-US" dirty="0"/>
+          </a:p>
+          <a:p>
+            <a:pPr lvl="1"/>
+            <a:endParaRPr lang="en-US" dirty="0" smtClean="0"/>
+          </a:p>
+          <a:p>
+            <a:pPr marL="457200" lvl="1" indent="0">
+              <a:buNone/>
+            </a:pPr>
+            <a:r>
+              <a:rPr lang="en-US" sz="2600" dirty="0" smtClean="0"/>
+              <a:t>*in theory </a:t>
+            </a:r>
+            <a:r>
+              <a:rPr lang="en-US" sz="2600" dirty="0" smtClean="0">
+                <a:sym typeface="Wingdings"/>
+              </a:rPr>
+              <a:t></a:t>
+            </a:r>
+            <a:endParaRPr lang="en-US" sz="2600" dirty="0" smtClean="0"/>
+          </a:p>
+          <a:p>
             <a:endParaRPr lang="en-US" dirty="0"/>
           </a:p>
         </p:txBody>
@@ -8980,7 +9204,7 @@
     </p:spTree>
     <p:extLst>
       <p:ext uri="{BB962C8B-B14F-4D97-AF65-F5344CB8AC3E}">
-        <p14:creationId xmlns:p14="http://schemas.microsoft.com/office/powerpoint/2010/main" val="987664178"/>
+        <p14:creationId xmlns:p14="http://schemas.microsoft.com/office/powerpoint/2010/main" xmlns="" val="2699777521"/>
       </p:ext>
     </p:extLst>
   </p:cSld>
@@ -8990,14 +9214,14 @@
   <p:timing>
     <p:tnLst>
       <p:par>
-        <p:cTn xmlns:p14="http://schemas.microsoft.com/office/powerpoint/2010/main" id="1" dur="indefinite" restart="never" nodeType="tmRoot"/>
+        <p:cTn id="1" dur="indefinite" restart="never" nodeType="tmRoot"/>
       </p:par>
     </p:tnLst>
   </p:timing>
 </p:sld>
 </file>
 
-<file path=ppt/slides/slide8.xml><?xml version="1.0" encoding="utf-8"?>
+<file path=ppt/slides/slide9.xml><?xml version="1.0" encoding="utf-8"?>
 <p:sld xmlns:a="http://schemas.openxmlformats.org/drawingml/2006/main" xmlns:r="http://schemas.openxmlformats.org/officeDocument/2006/relationships" xmlns:p="http://schemas.openxmlformats.org/presentationml/2006/main">
   <p:cSld>
     <p:spTree>
@@ -9452,7 +9676,7 @@
     </p:spTree>
     <p:extLst>
       <p:ext uri="{BB962C8B-B14F-4D97-AF65-F5344CB8AC3E}">
-        <p14:creationId xmlns:p14="http://schemas.microsoft.com/office/powerpoint/2010/main" val="2897129855"/>
+        <p14:creationId xmlns:p14="http://schemas.microsoft.com/office/powerpoint/2010/main" xmlns="" val="2897129855"/>
       </p:ext>
     </p:extLst>
   </p:cSld>
@@ -9462,7 +9686,7 @@
   <p:timing>
     <p:tnLst>
       <p:par>
-        <p:cTn xmlns:p14="http://schemas.microsoft.com/office/powerpoint/2010/main" id="1" dur="indefinite" restart="never" nodeType="tmRoot">
+        <p:cTn id="1" dur="indefinite" restart="never" nodeType="tmRoot">
           <p:childTnLst>
             <p:seq concurrent="1" nextAc="seek">
               <p:cTn id="2" dur="indefinite" nodeType="mainSeq">
@@ -9608,154 +9832,6 @@
     <p:bldLst>
       <p:bldP spid="5" grpId="0" animBg="1"/>
     </p:bldLst>
-  </p:timing>
-</p:sld>
-</file>
-
-<file path=ppt/slides/slide9.xml><?xml version="1.0" encoding="utf-8"?>
-<p:sld xmlns:a="http://schemas.openxmlformats.org/drawingml/2006/main" xmlns:r="http://schemas.openxmlformats.org/officeDocument/2006/relationships" xmlns:p="http://schemas.openxmlformats.org/presentationml/2006/main">
-  <p:cSld>
-    <p:spTree>
-      <p:nvGrpSpPr>
-        <p:cNvPr id="1" name=""/>
-        <p:cNvGrpSpPr/>
-        <p:nvPr/>
-      </p:nvGrpSpPr>
-      <p:grpSpPr>
-        <a:xfrm>
-          <a:off x="0" y="0"/>
-          <a:ext cx="0" cy="0"/>
-          <a:chOff x="0" y="0"/>
-          <a:chExt cx="0" cy="0"/>
-        </a:xfrm>
-      </p:grpSpPr>
-      <p:sp>
-        <p:nvSpPr>
-          <p:cNvPr id="2" name="Title 1"/>
-          <p:cNvSpPr>
-            <a:spLocks noGrp="1"/>
-          </p:cNvSpPr>
-          <p:nvPr>
-            <p:ph type="title"/>
-          </p:nvPr>
-        </p:nvSpPr>
-        <p:spPr/>
-        <p:txBody>
-          <a:bodyPr/>
-          <a:lstStyle/>
-          <a:p>
-            <a:r>
-              <a:rPr lang="en-US" dirty="0" smtClean="0"/>
-              <a:t>How Messaging Helps Throughput</a:t>
-            </a:r>
-            <a:endParaRPr lang="en-US" dirty="0"/>
-          </a:p>
-        </p:txBody>
-      </p:sp>
-      <p:sp>
-        <p:nvSpPr>
-          <p:cNvPr id="3" name="Content Placeholder 2"/>
-          <p:cNvSpPr>
-            <a:spLocks noGrp="1"/>
-          </p:cNvSpPr>
-          <p:nvPr>
-            <p:ph idx="1"/>
-          </p:nvPr>
-        </p:nvSpPr>
-        <p:spPr/>
-        <p:txBody>
-          <a:bodyPr>
-            <a:normAutofit fontScale="92500" lnSpcReduction="10000"/>
-          </a:bodyPr>
-          <a:lstStyle/>
-          <a:p>
-            <a:r>
-              <a:rPr lang="en-US" dirty="0" smtClean="0"/>
-              <a:t>Throughput = total # of system ops / time</a:t>
-            </a:r>
-          </a:p>
-          <a:p>
-            <a:r>
-              <a:rPr lang="en-US" dirty="0" smtClean="0"/>
-              <a:t>Competing consumer pattern</a:t>
-            </a:r>
-          </a:p>
-          <a:p>
-            <a:pPr lvl="1"/>
-            <a:r>
-              <a:rPr lang="en-US" dirty="0" smtClean="0"/>
-              <a:t>Multiple instances of a service</a:t>
-            </a:r>
-          </a:p>
-          <a:p>
-            <a:pPr lvl="1"/>
-            <a:r>
-              <a:rPr lang="en-US" dirty="0" smtClean="0"/>
-              <a:t>Subscribe to the same work queue</a:t>
-            </a:r>
-          </a:p>
-          <a:p>
-            <a:pPr lvl="1"/>
-            <a:r>
-              <a:rPr lang="en-US" dirty="0" smtClean="0"/>
-              <a:t>‘Compete’ to get available work</a:t>
-            </a:r>
-          </a:p>
-          <a:p>
-            <a:pPr lvl="1"/>
-            <a:r>
-              <a:rPr lang="en-US" dirty="0" smtClean="0"/>
-              <a:t>Add consumers as needed*</a:t>
-            </a:r>
-          </a:p>
-          <a:p>
-            <a:r>
-              <a:rPr lang="en-US" dirty="0" smtClean="0"/>
-              <a:t>Example: how competing consumers saved my bacon</a:t>
-            </a:r>
-            <a:endParaRPr lang="en-US" dirty="0"/>
-          </a:p>
-          <a:p>
-            <a:pPr lvl="1"/>
-            <a:endParaRPr lang="en-US" dirty="0" smtClean="0"/>
-          </a:p>
-          <a:p>
-            <a:pPr marL="457200" lvl="1" indent="0">
-              <a:buNone/>
-            </a:pPr>
-            <a:r>
-              <a:rPr lang="en-US" sz="2600" dirty="0" smtClean="0"/>
-              <a:t>*in theory </a:t>
-            </a:r>
-            <a:r>
-              <a:rPr lang="en-US" sz="2600" dirty="0" smtClean="0">
-                <a:sym typeface="Wingdings"/>
-              </a:rPr>
-              <a:t></a:t>
-            </a:r>
-            <a:endParaRPr lang="en-US" sz="2600" dirty="0" smtClean="0"/>
-          </a:p>
-          <a:p>
-            <a:endParaRPr lang="en-US" dirty="0"/>
-          </a:p>
-        </p:txBody>
-      </p:sp>
-    </p:spTree>
-    <p:extLst>
-      <p:ext uri="{BB962C8B-B14F-4D97-AF65-F5344CB8AC3E}">
-        <p14:creationId xmlns:p14="http://schemas.microsoft.com/office/powerpoint/2010/main" val="2699777521"/>
-      </p:ext>
-    </p:extLst>
-  </p:cSld>
-  <p:clrMapOvr>
-    <a:masterClrMapping/>
-  </p:clrMapOvr>
-  <p:timing>
-    <p:tnLst>
-      <p:par>
-        <p:cTn xmlns:p14="http://schemas.microsoft.com/office/powerpoint/2010/main" id="1" dur="indefinite" restart="never" nodeType="tmRoot"/>
-      </p:par>
-    </p:tnLst>
   </p:timing>
 </p:sld>
 </file>

--- a/Messaging Patterns.pptx
+++ b/Messaging Patterns.pptx
@@ -213,7 +213,7 @@
             <a:fld id="{F965A161-9D5C-6840-84E0-419B5854F2B0}" type="datetimeFigureOut">
               <a:rPr lang="en-US" smtClean="0"/>
               <a:pPr/>
-              <a:t>8/12/2011</a:t>
+              <a:t>8/13/2011</a:t>
             </a:fld>
             <a:endParaRPr lang="en-US"/>
           </a:p>
@@ -382,7 +382,7 @@
     </p:spTree>
     <p:extLst>
       <p:ext uri="{BB962C8B-B14F-4D97-AF65-F5344CB8AC3E}">
-        <p14:creationId xmlns:p14="http://schemas.microsoft.com/office/powerpoint/2010/main" xmlns="" val="794538217"/>
+        <p14:creationId xmlns="" xmlns:p14="http://schemas.microsoft.com/office/powerpoint/2010/main" val="794538217"/>
       </p:ext>
     </p:extLst>
   </p:cSld>
@@ -557,7 +557,7 @@
     </p:spTree>
     <p:extLst>
       <p:ext uri="{BB962C8B-B14F-4D97-AF65-F5344CB8AC3E}">
-        <p14:creationId xmlns:p14="http://schemas.microsoft.com/office/powerpoint/2010/main" xmlns="" val="4039531"/>
+        <p14:creationId xmlns="" xmlns:p14="http://schemas.microsoft.com/office/powerpoint/2010/main" val="4039531"/>
       </p:ext>
     </p:extLst>
   </p:cSld>
@@ -749,7 +749,7 @@
             <a:fld id="{4D1254BA-7CCA-5943-9975-E037259FF833}" type="datetimeFigureOut">
               <a:rPr lang="en-US" smtClean="0"/>
               <a:pPr/>
-              <a:t>8/12/2011</a:t>
+              <a:t>8/13/2011</a:t>
             </a:fld>
             <a:endParaRPr lang="en-US"/>
           </a:p>
@@ -801,7 +801,7 @@
     </p:spTree>
     <p:extLst>
       <p:ext uri="{BB962C8B-B14F-4D97-AF65-F5344CB8AC3E}">
-        <p14:creationId xmlns:p14="http://schemas.microsoft.com/office/powerpoint/2010/main" xmlns="" val="4175362383"/>
+        <p14:creationId xmlns="" xmlns:p14="http://schemas.microsoft.com/office/powerpoint/2010/main" val="4175362383"/>
       </p:ext>
     </p:extLst>
   </p:cSld>
@@ -921,7 +921,7 @@
             <a:fld id="{4D1254BA-7CCA-5943-9975-E037259FF833}" type="datetimeFigureOut">
               <a:rPr lang="en-US" smtClean="0"/>
               <a:pPr/>
-              <a:t>8/12/2011</a:t>
+              <a:t>8/13/2011</a:t>
             </a:fld>
             <a:endParaRPr lang="en-US"/>
           </a:p>
@@ -973,7 +973,7 @@
     </p:spTree>
     <p:extLst>
       <p:ext uri="{BB962C8B-B14F-4D97-AF65-F5344CB8AC3E}">
-        <p14:creationId xmlns:p14="http://schemas.microsoft.com/office/powerpoint/2010/main" xmlns="" val="3484142695"/>
+        <p14:creationId xmlns="" xmlns:p14="http://schemas.microsoft.com/office/powerpoint/2010/main" val="3484142695"/>
       </p:ext>
     </p:extLst>
   </p:cSld>
@@ -1103,7 +1103,7 @@
             <a:fld id="{4D1254BA-7CCA-5943-9975-E037259FF833}" type="datetimeFigureOut">
               <a:rPr lang="en-US" smtClean="0"/>
               <a:pPr/>
-              <a:t>8/12/2011</a:t>
+              <a:t>8/13/2011</a:t>
             </a:fld>
             <a:endParaRPr lang="en-US"/>
           </a:p>
@@ -1155,7 +1155,7 @@
     </p:spTree>
     <p:extLst>
       <p:ext uri="{BB962C8B-B14F-4D97-AF65-F5344CB8AC3E}">
-        <p14:creationId xmlns:p14="http://schemas.microsoft.com/office/powerpoint/2010/main" xmlns="" val="3480438757"/>
+        <p14:creationId xmlns="" xmlns:p14="http://schemas.microsoft.com/office/powerpoint/2010/main" val="3480438757"/>
       </p:ext>
     </p:extLst>
   </p:cSld>
@@ -1275,7 +1275,7 @@
             <a:fld id="{4D1254BA-7CCA-5943-9975-E037259FF833}" type="datetimeFigureOut">
               <a:rPr lang="en-US" smtClean="0"/>
               <a:pPr/>
-              <a:t>8/12/2011</a:t>
+              <a:t>8/13/2011</a:t>
             </a:fld>
             <a:endParaRPr lang="en-US"/>
           </a:p>
@@ -1327,7 +1327,7 @@
     </p:spTree>
     <p:extLst>
       <p:ext uri="{BB962C8B-B14F-4D97-AF65-F5344CB8AC3E}">
-        <p14:creationId xmlns:p14="http://schemas.microsoft.com/office/powerpoint/2010/main" xmlns="" val="3858241903"/>
+        <p14:creationId xmlns="" xmlns:p14="http://schemas.microsoft.com/office/powerpoint/2010/main" val="3858241903"/>
       </p:ext>
     </p:extLst>
   </p:cSld>
@@ -1523,7 +1523,7 @@
             <a:fld id="{4D1254BA-7CCA-5943-9975-E037259FF833}" type="datetimeFigureOut">
               <a:rPr lang="en-US" smtClean="0"/>
               <a:pPr/>
-              <a:t>8/12/2011</a:t>
+              <a:t>8/13/2011</a:t>
             </a:fld>
             <a:endParaRPr lang="en-US"/>
           </a:p>
@@ -1575,7 +1575,7 @@
     </p:spTree>
     <p:extLst>
       <p:ext uri="{BB962C8B-B14F-4D97-AF65-F5344CB8AC3E}">
-        <p14:creationId xmlns:p14="http://schemas.microsoft.com/office/powerpoint/2010/main" xmlns="" val="3046139139"/>
+        <p14:creationId xmlns="" xmlns:p14="http://schemas.microsoft.com/office/powerpoint/2010/main" val="3046139139"/>
       </p:ext>
     </p:extLst>
   </p:cSld>
@@ -1813,7 +1813,7 @@
             <a:fld id="{4D1254BA-7CCA-5943-9975-E037259FF833}" type="datetimeFigureOut">
               <a:rPr lang="en-US" smtClean="0"/>
               <a:pPr/>
-              <a:t>8/12/2011</a:t>
+              <a:t>8/13/2011</a:t>
             </a:fld>
             <a:endParaRPr lang="en-US"/>
           </a:p>
@@ -1865,7 +1865,7 @@
     </p:spTree>
     <p:extLst>
       <p:ext uri="{BB962C8B-B14F-4D97-AF65-F5344CB8AC3E}">
-        <p14:creationId xmlns:p14="http://schemas.microsoft.com/office/powerpoint/2010/main" xmlns="" val="2601137797"/>
+        <p14:creationId xmlns="" xmlns:p14="http://schemas.microsoft.com/office/powerpoint/2010/main" val="2601137797"/>
       </p:ext>
     </p:extLst>
   </p:cSld>
@@ -2237,7 +2237,7 @@
             <a:fld id="{4D1254BA-7CCA-5943-9975-E037259FF833}" type="datetimeFigureOut">
               <a:rPr lang="en-US" smtClean="0"/>
               <a:pPr/>
-              <a:t>8/12/2011</a:t>
+              <a:t>8/13/2011</a:t>
             </a:fld>
             <a:endParaRPr lang="en-US"/>
           </a:p>
@@ -2289,7 +2289,7 @@
     </p:spTree>
     <p:extLst>
       <p:ext uri="{BB962C8B-B14F-4D97-AF65-F5344CB8AC3E}">
-        <p14:creationId xmlns:p14="http://schemas.microsoft.com/office/powerpoint/2010/main" xmlns="" val="3915736295"/>
+        <p14:creationId xmlns="" xmlns:p14="http://schemas.microsoft.com/office/powerpoint/2010/main" val="3915736295"/>
       </p:ext>
     </p:extLst>
   </p:cSld>
@@ -2357,7 +2357,7 @@
             <a:fld id="{4D1254BA-7CCA-5943-9975-E037259FF833}" type="datetimeFigureOut">
               <a:rPr lang="en-US" smtClean="0"/>
               <a:pPr/>
-              <a:t>8/12/2011</a:t>
+              <a:t>8/13/2011</a:t>
             </a:fld>
             <a:endParaRPr lang="en-US"/>
           </a:p>
@@ -2409,7 +2409,7 @@
     </p:spTree>
     <p:extLst>
       <p:ext uri="{BB962C8B-B14F-4D97-AF65-F5344CB8AC3E}">
-        <p14:creationId xmlns:p14="http://schemas.microsoft.com/office/powerpoint/2010/main" xmlns="" val="1277570096"/>
+        <p14:creationId xmlns="" xmlns:p14="http://schemas.microsoft.com/office/powerpoint/2010/main" val="1277570096"/>
       </p:ext>
     </p:extLst>
   </p:cSld>
@@ -2454,7 +2454,7 @@
             <a:fld id="{4D1254BA-7CCA-5943-9975-E037259FF833}" type="datetimeFigureOut">
               <a:rPr lang="en-US" smtClean="0"/>
               <a:pPr/>
-              <a:t>8/12/2011</a:t>
+              <a:t>8/13/2011</a:t>
             </a:fld>
             <a:endParaRPr lang="en-US"/>
           </a:p>
@@ -2506,7 +2506,7 @@
     </p:spTree>
     <p:extLst>
       <p:ext uri="{BB962C8B-B14F-4D97-AF65-F5344CB8AC3E}">
-        <p14:creationId xmlns:p14="http://schemas.microsoft.com/office/powerpoint/2010/main" xmlns="" val="1973116335"/>
+        <p14:creationId xmlns="" xmlns:p14="http://schemas.microsoft.com/office/powerpoint/2010/main" val="1973116335"/>
       </p:ext>
     </p:extLst>
   </p:cSld>
@@ -2733,7 +2733,7 @@
             <a:fld id="{4D1254BA-7CCA-5943-9975-E037259FF833}" type="datetimeFigureOut">
               <a:rPr lang="en-US" smtClean="0"/>
               <a:pPr/>
-              <a:t>8/12/2011</a:t>
+              <a:t>8/13/2011</a:t>
             </a:fld>
             <a:endParaRPr lang="en-US"/>
           </a:p>
@@ -2785,7 +2785,7 @@
     </p:spTree>
     <p:extLst>
       <p:ext uri="{BB962C8B-B14F-4D97-AF65-F5344CB8AC3E}">
-        <p14:creationId xmlns:p14="http://schemas.microsoft.com/office/powerpoint/2010/main" xmlns="" val="2959366799"/>
+        <p14:creationId xmlns="" xmlns:p14="http://schemas.microsoft.com/office/powerpoint/2010/main" val="2959366799"/>
       </p:ext>
     </p:extLst>
   </p:cSld>
@@ -2988,7 +2988,7 @@
             <a:fld id="{4D1254BA-7CCA-5943-9975-E037259FF833}" type="datetimeFigureOut">
               <a:rPr lang="en-US" smtClean="0"/>
               <a:pPr/>
-              <a:t>8/12/2011</a:t>
+              <a:t>8/13/2011</a:t>
             </a:fld>
             <a:endParaRPr lang="en-US"/>
           </a:p>
@@ -3040,7 +3040,7 @@
     </p:spTree>
     <p:extLst>
       <p:ext uri="{BB962C8B-B14F-4D97-AF65-F5344CB8AC3E}">
-        <p14:creationId xmlns:p14="http://schemas.microsoft.com/office/powerpoint/2010/main" xmlns="" val="2634514621"/>
+        <p14:creationId xmlns="" xmlns:p14="http://schemas.microsoft.com/office/powerpoint/2010/main" val="2634514621"/>
       </p:ext>
     </p:extLst>
   </p:cSld>
@@ -3203,7 +3203,7 @@
             <a:fld id="{4D1254BA-7CCA-5943-9975-E037259FF833}" type="datetimeFigureOut">
               <a:rPr lang="en-US" smtClean="0"/>
               <a:pPr/>
-              <a:t>8/12/2011</a:t>
+              <a:t>8/13/2011</a:t>
             </a:fld>
             <a:endParaRPr lang="en-US"/>
           </a:p>
@@ -3291,7 +3291,7 @@
     </p:spTree>
     <p:extLst>
       <p:ext uri="{BB962C8B-B14F-4D97-AF65-F5344CB8AC3E}">
-        <p14:creationId xmlns:p14="http://schemas.microsoft.com/office/powerpoint/2010/main" xmlns="" val="4026247719"/>
+        <p14:creationId xmlns="" xmlns:p14="http://schemas.microsoft.com/office/powerpoint/2010/main" val="4026247719"/>
       </p:ext>
     </p:extLst>
   </p:cSld>
@@ -3652,7 +3652,7 @@
     </p:spTree>
     <p:extLst>
       <p:ext uri="{BB962C8B-B14F-4D97-AF65-F5344CB8AC3E}">
-        <p14:creationId xmlns:p14="http://schemas.microsoft.com/office/powerpoint/2010/main" xmlns="" val="1445323488"/>
+        <p14:creationId xmlns="" xmlns:p14="http://schemas.microsoft.com/office/powerpoint/2010/main" val="1445323488"/>
       </p:ext>
     </p:extLst>
   </p:cSld>
@@ -3791,7 +3791,7 @@
     </p:spTree>
     <p:extLst>
       <p:ext uri="{BB962C8B-B14F-4D97-AF65-F5344CB8AC3E}">
-        <p14:creationId xmlns:p14="http://schemas.microsoft.com/office/powerpoint/2010/main" xmlns="" val="3727191213"/>
+        <p14:creationId xmlns="" xmlns:p14="http://schemas.microsoft.com/office/powerpoint/2010/main" val="3727191213"/>
       </p:ext>
     </p:extLst>
   </p:cSld>
@@ -4352,7 +4352,7 @@
     </p:spTree>
     <p:extLst>
       <p:ext uri="{BB962C8B-B14F-4D97-AF65-F5344CB8AC3E}">
-        <p14:creationId xmlns:p14="http://schemas.microsoft.com/office/powerpoint/2010/main" xmlns="" val="2860861957"/>
+        <p14:creationId xmlns="" xmlns:p14="http://schemas.microsoft.com/office/powerpoint/2010/main" val="2860861957"/>
       </p:ext>
     </p:extLst>
   </p:cSld>
@@ -4894,17 +4894,8 @@
           <a:p>
             <a:r>
               <a:rPr lang="en-US" dirty="0" smtClean="0"/>
-              <a:t>“Chainable” – </a:t>
-            </a:r>
-            <a:r>
-              <a:rPr lang="en-US" dirty="0" smtClean="0"/>
-              <a:t>can bind to other </a:t>
-            </a:r>
-            <a:r>
-              <a:rPr lang="en-US" dirty="0" smtClean="0"/>
-              <a:t>exchanges</a:t>
-            </a:r>
-            <a:endParaRPr lang="en-US" dirty="0" smtClean="0"/>
+              <a:t>“Chainable” – can bind to other exchanges</a:t>
+            </a:r>
           </a:p>
           <a:p>
             <a:r>
@@ -4942,7 +4933,7 @@
     </p:spTree>
     <p:extLst>
       <p:ext uri="{BB962C8B-B14F-4D97-AF65-F5344CB8AC3E}">
-        <p14:creationId xmlns:p14="http://schemas.microsoft.com/office/powerpoint/2010/main" xmlns="" val="2038371633"/>
+        <p14:creationId xmlns="" xmlns:p14="http://schemas.microsoft.com/office/powerpoint/2010/main" val="2038371633"/>
       </p:ext>
     </p:extLst>
   </p:cSld>
@@ -5166,7 +5157,7 @@
     </p:spTree>
     <p:extLst>
       <p:ext uri="{BB962C8B-B14F-4D97-AF65-F5344CB8AC3E}">
-        <p14:creationId xmlns:p14="http://schemas.microsoft.com/office/powerpoint/2010/main" xmlns="" val="2036651883"/>
+        <p14:creationId xmlns="" xmlns:p14="http://schemas.microsoft.com/office/powerpoint/2010/main" val="2036651883"/>
       </p:ext>
     </p:extLst>
   </p:cSld>
@@ -5590,7 +5581,7 @@
     </p:spTree>
     <p:extLst>
       <p:ext uri="{BB962C8B-B14F-4D97-AF65-F5344CB8AC3E}">
-        <p14:creationId xmlns:p14="http://schemas.microsoft.com/office/powerpoint/2010/main" xmlns="" val="3111764777"/>
+        <p14:creationId xmlns="" xmlns:p14="http://schemas.microsoft.com/office/powerpoint/2010/main" val="3111764777"/>
       </p:ext>
     </p:extLst>
   </p:cSld>
@@ -6002,7 +5993,7 @@
     </p:spTree>
     <p:extLst>
       <p:ext uri="{BB962C8B-B14F-4D97-AF65-F5344CB8AC3E}">
-        <p14:creationId xmlns:p14="http://schemas.microsoft.com/office/powerpoint/2010/main" xmlns="" val="4055599914"/>
+        <p14:creationId xmlns="" xmlns:p14="http://schemas.microsoft.com/office/powerpoint/2010/main" val="4055599914"/>
       </p:ext>
     </p:extLst>
   </p:cSld>
@@ -6096,7 +6087,7 @@
     </p:spTree>
     <p:extLst>
       <p:ext uri="{BB962C8B-B14F-4D97-AF65-F5344CB8AC3E}">
-        <p14:creationId xmlns:p14="http://schemas.microsoft.com/office/powerpoint/2010/main" xmlns="" val="618666132"/>
+        <p14:creationId xmlns="" xmlns:p14="http://schemas.microsoft.com/office/powerpoint/2010/main" val="618666132"/>
       </p:ext>
     </p:extLst>
   </p:cSld>
@@ -6202,7 +6193,7 @@
     </p:spTree>
     <p:extLst>
       <p:ext uri="{BB962C8B-B14F-4D97-AF65-F5344CB8AC3E}">
-        <p14:creationId xmlns:p14="http://schemas.microsoft.com/office/powerpoint/2010/main" xmlns="" val="2673012972"/>
+        <p14:creationId xmlns="" xmlns:p14="http://schemas.microsoft.com/office/powerpoint/2010/main" val="2673012972"/>
       </p:ext>
     </p:extLst>
   </p:cSld>
@@ -6302,7 +6293,7 @@
     </p:spTree>
     <p:extLst>
       <p:ext uri="{BB962C8B-B14F-4D97-AF65-F5344CB8AC3E}">
-        <p14:creationId xmlns:p14="http://schemas.microsoft.com/office/powerpoint/2010/main" xmlns="" val="4096890464"/>
+        <p14:creationId xmlns="" xmlns:p14="http://schemas.microsoft.com/office/powerpoint/2010/main" val="4096890464"/>
       </p:ext>
     </p:extLst>
   </p:cSld>
@@ -6393,7 +6384,7 @@
     </p:spTree>
     <p:extLst>
       <p:ext uri="{BB962C8B-B14F-4D97-AF65-F5344CB8AC3E}">
-        <p14:creationId xmlns:p14="http://schemas.microsoft.com/office/powerpoint/2010/main" xmlns="" val="1148363130"/>
+        <p14:creationId xmlns="" xmlns:p14="http://schemas.microsoft.com/office/powerpoint/2010/main" val="1148363130"/>
       </p:ext>
     </p:extLst>
   </p:cSld>
@@ -6533,7 +6524,7 @@
     </p:spTree>
     <p:extLst>
       <p:ext uri="{BB962C8B-B14F-4D97-AF65-F5344CB8AC3E}">
-        <p14:creationId xmlns:p14="http://schemas.microsoft.com/office/powerpoint/2010/main" xmlns="" val="2118395177"/>
+        <p14:creationId xmlns="" xmlns:p14="http://schemas.microsoft.com/office/powerpoint/2010/main" val="2118395177"/>
       </p:ext>
     </p:extLst>
   </p:cSld>
@@ -6669,7 +6660,7 @@
     </p:spTree>
     <p:extLst>
       <p:ext uri="{BB962C8B-B14F-4D97-AF65-F5344CB8AC3E}">
-        <p14:creationId xmlns:p14="http://schemas.microsoft.com/office/powerpoint/2010/main" xmlns="" val="3171703281"/>
+        <p14:creationId xmlns="" xmlns:p14="http://schemas.microsoft.com/office/powerpoint/2010/main" val="3171703281"/>
       </p:ext>
     </p:extLst>
   </p:cSld>
@@ -6811,7 +6802,7 @@
     </p:spTree>
     <p:extLst>
       <p:ext uri="{BB962C8B-B14F-4D97-AF65-F5344CB8AC3E}">
-        <p14:creationId xmlns:p14="http://schemas.microsoft.com/office/powerpoint/2010/main" xmlns="" val="2330615728"/>
+        <p14:creationId xmlns="" xmlns:p14="http://schemas.microsoft.com/office/powerpoint/2010/main" val="2330615728"/>
       </p:ext>
     </p:extLst>
   </p:cSld>
@@ -6910,7 +6901,6 @@
               <a:rPr lang="en-US" dirty="0" smtClean="0"/>
               <a:t>Complexity</a:t>
             </a:r>
-            <a:endParaRPr lang="en-US" dirty="0" smtClean="0"/>
           </a:p>
           <a:p>
             <a:r>
@@ -6924,14 +6914,13 @@
               <a:rPr lang="en-US" dirty="0" smtClean="0"/>
               <a:t>Performance</a:t>
             </a:r>
-            <a:endParaRPr lang="en-US" dirty="0" smtClean="0"/>
           </a:p>
         </p:txBody>
       </p:sp>
     </p:spTree>
     <p:extLst>
       <p:ext uri="{BB962C8B-B14F-4D97-AF65-F5344CB8AC3E}">
-        <p14:creationId xmlns:p14="http://schemas.microsoft.com/office/powerpoint/2010/main" xmlns="" val="3954950989"/>
+        <p14:creationId xmlns="" xmlns:p14="http://schemas.microsoft.com/office/powerpoint/2010/main" val="3954950989"/>
       </p:ext>
     </p:extLst>
   </p:cSld>
@@ -6982,11 +6971,7 @@
           <a:p>
             <a:r>
               <a:rPr lang="en-US" dirty="0" smtClean="0"/>
-              <a:t>An </a:t>
-            </a:r>
-            <a:r>
-              <a:rPr lang="en-US" dirty="0" smtClean="0"/>
-              <a:t>Alternative To SOAP / WS-*</a:t>
+              <a:t>An Alternative To SOAP / WS-*</a:t>
             </a:r>
             <a:endParaRPr lang="en-US" dirty="0"/>
           </a:p>
@@ -7073,7 +7058,7 @@
     </p:spTree>
     <p:extLst>
       <p:ext uri="{BB962C8B-B14F-4D97-AF65-F5344CB8AC3E}">
-        <p14:creationId xmlns:p14="http://schemas.microsoft.com/office/powerpoint/2010/main" xmlns="" val="3007333811"/>
+        <p14:creationId xmlns="" xmlns:p14="http://schemas.microsoft.com/office/powerpoint/2010/main" val="3007333811"/>
       </p:ext>
     </p:extLst>
   </p:cSld>
@@ -7678,7 +7663,7 @@
     </p:spTree>
     <p:extLst>
       <p:ext uri="{BB962C8B-B14F-4D97-AF65-F5344CB8AC3E}">
-        <p14:creationId xmlns:p14="http://schemas.microsoft.com/office/powerpoint/2010/main" xmlns="" val="2245570433"/>
+        <p14:creationId xmlns="" xmlns:p14="http://schemas.microsoft.com/office/powerpoint/2010/main" val="2245570433"/>
       </p:ext>
     </p:extLst>
   </p:cSld>
@@ -8089,11 +8074,7 @@
             <a:pPr lvl="1"/>
             <a:r>
               <a:rPr lang="en-US" dirty="0" smtClean="0"/>
-              <a:t>Brittle </a:t>
-            </a:r>
-            <a:r>
-              <a:rPr lang="en-US" dirty="0" smtClean="0"/>
-              <a:t>legacy system</a:t>
+              <a:t>Brittle legacy system</a:t>
             </a:r>
           </a:p>
           <a:p>
@@ -8107,11 +8088,7 @@
             <a:pPr lvl="1"/>
             <a:r>
               <a:rPr lang="en-US" dirty="0" smtClean="0"/>
-              <a:t>A long feature request </a:t>
-            </a:r>
-            <a:r>
-              <a:rPr lang="en-US" dirty="0" smtClean="0"/>
-              <a:t>list</a:t>
+              <a:t>A long feature request list</a:t>
             </a:r>
           </a:p>
           <a:p>
@@ -8120,14 +8097,12 @@
               <a:rPr lang="en-US" dirty="0" smtClean="0"/>
               <a:t>Integration challenges</a:t>
             </a:r>
-            <a:endParaRPr lang="en-US" dirty="0" smtClean="0"/>
           </a:p>
           <a:p>
             <a:r>
               <a:rPr lang="en-US" dirty="0" smtClean="0"/>
               <a:t>Solution</a:t>
             </a:r>
-            <a:endParaRPr lang="en-US" dirty="0" smtClean="0"/>
           </a:p>
           <a:p>
             <a:pPr lvl="1"/>
@@ -8147,11 +8122,7 @@
             <a:pPr lvl="1"/>
             <a:r>
               <a:rPr lang="en-US" dirty="0" smtClean="0"/>
-              <a:t>Services subscribe to events and react </a:t>
-            </a:r>
-            <a:r>
-              <a:rPr lang="en-US" dirty="0" smtClean="0"/>
-              <a:t>accordingly</a:t>
+              <a:t>Services subscribe to events and react accordingly</a:t>
             </a:r>
             <a:endParaRPr lang="en-US" dirty="0"/>
           </a:p>
@@ -8160,7 +8131,7 @@
     </p:spTree>
     <p:extLst>
       <p:ext uri="{BB962C8B-B14F-4D97-AF65-F5344CB8AC3E}">
-        <p14:creationId xmlns:p14="http://schemas.microsoft.com/office/powerpoint/2010/main" xmlns="" val="987664178"/>
+        <p14:creationId xmlns="" xmlns:p14="http://schemas.microsoft.com/office/powerpoint/2010/main" val="987664178"/>
       </p:ext>
     </p:extLst>
   </p:cSld>
@@ -8747,7 +8718,7 @@
     </p:spTree>
     <p:extLst>
       <p:ext uri="{BB962C8B-B14F-4D97-AF65-F5344CB8AC3E}">
-        <p14:creationId xmlns:p14="http://schemas.microsoft.com/office/powerpoint/2010/main" xmlns="" val="2075929867"/>
+        <p14:creationId xmlns="" xmlns:p14="http://schemas.microsoft.com/office/powerpoint/2010/main" val="2075929867"/>
       </p:ext>
     </p:extLst>
   </p:cSld>
@@ -9204,7 +9175,7 @@
     </p:spTree>
     <p:extLst>
       <p:ext uri="{BB962C8B-B14F-4D97-AF65-F5344CB8AC3E}">
-        <p14:creationId xmlns:p14="http://schemas.microsoft.com/office/powerpoint/2010/main" xmlns="" val="2699777521"/>
+        <p14:creationId xmlns="" xmlns:p14="http://schemas.microsoft.com/office/powerpoint/2010/main" val="2699777521"/>
       </p:ext>
     </p:extLst>
   </p:cSld>
@@ -9676,7 +9647,7 @@
     </p:spTree>
     <p:extLst>
       <p:ext uri="{BB962C8B-B14F-4D97-AF65-F5344CB8AC3E}">
-        <p14:creationId xmlns:p14="http://schemas.microsoft.com/office/powerpoint/2010/main" xmlns="" val="2897129855"/>
+        <p14:creationId xmlns="" xmlns:p14="http://schemas.microsoft.com/office/powerpoint/2010/main" val="2897129855"/>
       </p:ext>
     </p:extLst>
   </p:cSld>

--- a/Messaging Patterns.pptx
+++ b/Messaging Patterns.pptx
@@ -5,7 +5,7 @@
     <p:sldMasterId id="2147483648" r:id="rId1"/>
   </p:sldMasterIdLst>
   <p:notesMasterIdLst>
-    <p:notesMasterId r:id="rId23"/>
+    <p:notesMasterId r:id="rId25"/>
   </p:notesMasterIdLst>
   <p:sldIdLst>
     <p:sldId id="256" r:id="rId2"/>
@@ -24,11 +24,13 @@
     <p:sldId id="281" r:id="rId15"/>
     <p:sldId id="282" r:id="rId16"/>
     <p:sldId id="266" r:id="rId17"/>
-    <p:sldId id="267" r:id="rId18"/>
-    <p:sldId id="287" r:id="rId19"/>
-    <p:sldId id="288" r:id="rId20"/>
-    <p:sldId id="289" r:id="rId21"/>
-    <p:sldId id="290" r:id="rId22"/>
+    <p:sldId id="291" r:id="rId18"/>
+    <p:sldId id="267" r:id="rId19"/>
+    <p:sldId id="287" r:id="rId20"/>
+    <p:sldId id="288" r:id="rId21"/>
+    <p:sldId id="292" r:id="rId22"/>
+    <p:sldId id="289" r:id="rId23"/>
+    <p:sldId id="290" r:id="rId24"/>
   </p:sldIdLst>
   <p:sldSz cx="9144000" cy="6858000" type="screen4x3"/>
   <p:notesSz cx="6858000" cy="9144000"/>
@@ -213,7 +215,7 @@
             <a:fld id="{F965A161-9D5C-6840-84E0-419B5854F2B0}" type="datetimeFigureOut">
               <a:rPr lang="en-US" smtClean="0"/>
               <a:pPr/>
-              <a:t>8/13/2011</a:t>
+              <a:t>8/16/11</a:t>
             </a:fld>
             <a:endParaRPr lang="en-US"/>
           </a:p>
@@ -382,7 +384,7 @@
     </p:spTree>
     <p:extLst>
       <p:ext uri="{BB962C8B-B14F-4D97-AF65-F5344CB8AC3E}">
-        <p14:creationId xmlns="" xmlns:p14="http://schemas.microsoft.com/office/powerpoint/2010/main" val="794538217"/>
+        <p14:creationId xmlns:p14="http://schemas.microsoft.com/office/powerpoint/2010/main" val="794538217"/>
       </p:ext>
     </p:extLst>
   </p:cSld>
@@ -557,7 +559,7 @@
     </p:spTree>
     <p:extLst>
       <p:ext uri="{BB962C8B-B14F-4D97-AF65-F5344CB8AC3E}">
-        <p14:creationId xmlns="" xmlns:p14="http://schemas.microsoft.com/office/powerpoint/2010/main" val="4039531"/>
+        <p14:creationId xmlns:p14="http://schemas.microsoft.com/office/powerpoint/2010/main" val="4039531"/>
       </p:ext>
     </p:extLst>
   </p:cSld>
@@ -749,7 +751,7 @@
             <a:fld id="{4D1254BA-7CCA-5943-9975-E037259FF833}" type="datetimeFigureOut">
               <a:rPr lang="en-US" smtClean="0"/>
               <a:pPr/>
-              <a:t>8/13/2011</a:t>
+              <a:t>8/16/11</a:t>
             </a:fld>
             <a:endParaRPr lang="en-US"/>
           </a:p>
@@ -801,7 +803,7 @@
     </p:spTree>
     <p:extLst>
       <p:ext uri="{BB962C8B-B14F-4D97-AF65-F5344CB8AC3E}">
-        <p14:creationId xmlns="" xmlns:p14="http://schemas.microsoft.com/office/powerpoint/2010/main" val="4175362383"/>
+        <p14:creationId xmlns:p14="http://schemas.microsoft.com/office/powerpoint/2010/main" val="4175362383"/>
       </p:ext>
     </p:extLst>
   </p:cSld>
@@ -921,7 +923,7 @@
             <a:fld id="{4D1254BA-7CCA-5943-9975-E037259FF833}" type="datetimeFigureOut">
               <a:rPr lang="en-US" smtClean="0"/>
               <a:pPr/>
-              <a:t>8/13/2011</a:t>
+              <a:t>8/16/11</a:t>
             </a:fld>
             <a:endParaRPr lang="en-US"/>
           </a:p>
@@ -973,7 +975,7 @@
     </p:spTree>
     <p:extLst>
       <p:ext uri="{BB962C8B-B14F-4D97-AF65-F5344CB8AC3E}">
-        <p14:creationId xmlns="" xmlns:p14="http://schemas.microsoft.com/office/powerpoint/2010/main" val="3484142695"/>
+        <p14:creationId xmlns:p14="http://schemas.microsoft.com/office/powerpoint/2010/main" val="3484142695"/>
       </p:ext>
     </p:extLst>
   </p:cSld>
@@ -1103,7 +1105,7 @@
             <a:fld id="{4D1254BA-7CCA-5943-9975-E037259FF833}" type="datetimeFigureOut">
               <a:rPr lang="en-US" smtClean="0"/>
               <a:pPr/>
-              <a:t>8/13/2011</a:t>
+              <a:t>8/16/11</a:t>
             </a:fld>
             <a:endParaRPr lang="en-US"/>
           </a:p>
@@ -1155,7 +1157,7 @@
     </p:spTree>
     <p:extLst>
       <p:ext uri="{BB962C8B-B14F-4D97-AF65-F5344CB8AC3E}">
-        <p14:creationId xmlns="" xmlns:p14="http://schemas.microsoft.com/office/powerpoint/2010/main" val="3480438757"/>
+        <p14:creationId xmlns:p14="http://schemas.microsoft.com/office/powerpoint/2010/main" val="3480438757"/>
       </p:ext>
     </p:extLst>
   </p:cSld>
@@ -1275,7 +1277,7 @@
             <a:fld id="{4D1254BA-7CCA-5943-9975-E037259FF833}" type="datetimeFigureOut">
               <a:rPr lang="en-US" smtClean="0"/>
               <a:pPr/>
-              <a:t>8/13/2011</a:t>
+              <a:t>8/16/11</a:t>
             </a:fld>
             <a:endParaRPr lang="en-US"/>
           </a:p>
@@ -1327,7 +1329,7 @@
     </p:spTree>
     <p:extLst>
       <p:ext uri="{BB962C8B-B14F-4D97-AF65-F5344CB8AC3E}">
-        <p14:creationId xmlns="" xmlns:p14="http://schemas.microsoft.com/office/powerpoint/2010/main" val="3858241903"/>
+        <p14:creationId xmlns:p14="http://schemas.microsoft.com/office/powerpoint/2010/main" val="3858241903"/>
       </p:ext>
     </p:extLst>
   </p:cSld>
@@ -1523,7 +1525,7 @@
             <a:fld id="{4D1254BA-7CCA-5943-9975-E037259FF833}" type="datetimeFigureOut">
               <a:rPr lang="en-US" smtClean="0"/>
               <a:pPr/>
-              <a:t>8/13/2011</a:t>
+              <a:t>8/16/11</a:t>
             </a:fld>
             <a:endParaRPr lang="en-US"/>
           </a:p>
@@ -1575,7 +1577,7 @@
     </p:spTree>
     <p:extLst>
       <p:ext uri="{BB962C8B-B14F-4D97-AF65-F5344CB8AC3E}">
-        <p14:creationId xmlns="" xmlns:p14="http://schemas.microsoft.com/office/powerpoint/2010/main" val="3046139139"/>
+        <p14:creationId xmlns:p14="http://schemas.microsoft.com/office/powerpoint/2010/main" val="3046139139"/>
       </p:ext>
     </p:extLst>
   </p:cSld>
@@ -1813,7 +1815,7 @@
             <a:fld id="{4D1254BA-7CCA-5943-9975-E037259FF833}" type="datetimeFigureOut">
               <a:rPr lang="en-US" smtClean="0"/>
               <a:pPr/>
-              <a:t>8/13/2011</a:t>
+              <a:t>8/16/11</a:t>
             </a:fld>
             <a:endParaRPr lang="en-US"/>
           </a:p>
@@ -1865,7 +1867,7 @@
     </p:spTree>
     <p:extLst>
       <p:ext uri="{BB962C8B-B14F-4D97-AF65-F5344CB8AC3E}">
-        <p14:creationId xmlns="" xmlns:p14="http://schemas.microsoft.com/office/powerpoint/2010/main" val="2601137797"/>
+        <p14:creationId xmlns:p14="http://schemas.microsoft.com/office/powerpoint/2010/main" val="2601137797"/>
       </p:ext>
     </p:extLst>
   </p:cSld>
@@ -2237,7 +2239,7 @@
             <a:fld id="{4D1254BA-7CCA-5943-9975-E037259FF833}" type="datetimeFigureOut">
               <a:rPr lang="en-US" smtClean="0"/>
               <a:pPr/>
-              <a:t>8/13/2011</a:t>
+              <a:t>8/16/11</a:t>
             </a:fld>
             <a:endParaRPr lang="en-US"/>
           </a:p>
@@ -2289,7 +2291,7 @@
     </p:spTree>
     <p:extLst>
       <p:ext uri="{BB962C8B-B14F-4D97-AF65-F5344CB8AC3E}">
-        <p14:creationId xmlns="" xmlns:p14="http://schemas.microsoft.com/office/powerpoint/2010/main" val="3915736295"/>
+        <p14:creationId xmlns:p14="http://schemas.microsoft.com/office/powerpoint/2010/main" val="3915736295"/>
       </p:ext>
     </p:extLst>
   </p:cSld>
@@ -2357,7 +2359,7 @@
             <a:fld id="{4D1254BA-7CCA-5943-9975-E037259FF833}" type="datetimeFigureOut">
               <a:rPr lang="en-US" smtClean="0"/>
               <a:pPr/>
-              <a:t>8/13/2011</a:t>
+              <a:t>8/16/11</a:t>
             </a:fld>
             <a:endParaRPr lang="en-US"/>
           </a:p>
@@ -2409,7 +2411,7 @@
     </p:spTree>
     <p:extLst>
       <p:ext uri="{BB962C8B-B14F-4D97-AF65-F5344CB8AC3E}">
-        <p14:creationId xmlns="" xmlns:p14="http://schemas.microsoft.com/office/powerpoint/2010/main" val="1277570096"/>
+        <p14:creationId xmlns:p14="http://schemas.microsoft.com/office/powerpoint/2010/main" val="1277570096"/>
       </p:ext>
     </p:extLst>
   </p:cSld>
@@ -2454,7 +2456,7 @@
             <a:fld id="{4D1254BA-7CCA-5943-9975-E037259FF833}" type="datetimeFigureOut">
               <a:rPr lang="en-US" smtClean="0"/>
               <a:pPr/>
-              <a:t>8/13/2011</a:t>
+              <a:t>8/16/11</a:t>
             </a:fld>
             <a:endParaRPr lang="en-US"/>
           </a:p>
@@ -2506,7 +2508,7 @@
     </p:spTree>
     <p:extLst>
       <p:ext uri="{BB962C8B-B14F-4D97-AF65-F5344CB8AC3E}">
-        <p14:creationId xmlns="" xmlns:p14="http://schemas.microsoft.com/office/powerpoint/2010/main" val="1973116335"/>
+        <p14:creationId xmlns:p14="http://schemas.microsoft.com/office/powerpoint/2010/main" val="1973116335"/>
       </p:ext>
     </p:extLst>
   </p:cSld>
@@ -2733,7 +2735,7 @@
             <a:fld id="{4D1254BA-7CCA-5943-9975-E037259FF833}" type="datetimeFigureOut">
               <a:rPr lang="en-US" smtClean="0"/>
               <a:pPr/>
-              <a:t>8/13/2011</a:t>
+              <a:t>8/16/11</a:t>
             </a:fld>
             <a:endParaRPr lang="en-US"/>
           </a:p>
@@ -2785,7 +2787,7 @@
     </p:spTree>
     <p:extLst>
       <p:ext uri="{BB962C8B-B14F-4D97-AF65-F5344CB8AC3E}">
-        <p14:creationId xmlns="" xmlns:p14="http://schemas.microsoft.com/office/powerpoint/2010/main" val="2959366799"/>
+        <p14:creationId xmlns:p14="http://schemas.microsoft.com/office/powerpoint/2010/main" val="2959366799"/>
       </p:ext>
     </p:extLst>
   </p:cSld>
@@ -2988,7 +2990,7 @@
             <a:fld id="{4D1254BA-7CCA-5943-9975-E037259FF833}" type="datetimeFigureOut">
               <a:rPr lang="en-US" smtClean="0"/>
               <a:pPr/>
-              <a:t>8/13/2011</a:t>
+              <a:t>8/16/11</a:t>
             </a:fld>
             <a:endParaRPr lang="en-US"/>
           </a:p>
@@ -3040,7 +3042,7 @@
     </p:spTree>
     <p:extLst>
       <p:ext uri="{BB962C8B-B14F-4D97-AF65-F5344CB8AC3E}">
-        <p14:creationId xmlns="" xmlns:p14="http://schemas.microsoft.com/office/powerpoint/2010/main" val="2634514621"/>
+        <p14:creationId xmlns:p14="http://schemas.microsoft.com/office/powerpoint/2010/main" val="2634514621"/>
       </p:ext>
     </p:extLst>
   </p:cSld>
@@ -3203,7 +3205,7 @@
             <a:fld id="{4D1254BA-7CCA-5943-9975-E037259FF833}" type="datetimeFigureOut">
               <a:rPr lang="en-US" smtClean="0"/>
               <a:pPr/>
-              <a:t>8/13/2011</a:t>
+              <a:t>8/16/11</a:t>
             </a:fld>
             <a:endParaRPr lang="en-US"/>
           </a:p>
@@ -3291,7 +3293,7 @@
     </p:spTree>
     <p:extLst>
       <p:ext uri="{BB962C8B-B14F-4D97-AF65-F5344CB8AC3E}">
-        <p14:creationId xmlns="" xmlns:p14="http://schemas.microsoft.com/office/powerpoint/2010/main" val="4026247719"/>
+        <p14:creationId xmlns:p14="http://schemas.microsoft.com/office/powerpoint/2010/main" val="4026247719"/>
       </p:ext>
     </p:extLst>
   </p:cSld>
@@ -3652,7 +3654,7 @@
     </p:spTree>
     <p:extLst>
       <p:ext uri="{BB962C8B-B14F-4D97-AF65-F5344CB8AC3E}">
-        <p14:creationId xmlns="" xmlns:p14="http://schemas.microsoft.com/office/powerpoint/2010/main" val="1445323488"/>
+        <p14:creationId xmlns:p14="http://schemas.microsoft.com/office/powerpoint/2010/main" val="1445323488"/>
       </p:ext>
     </p:extLst>
   </p:cSld>
@@ -3662,7 +3664,7 @@
   <p:timing>
     <p:tnLst>
       <p:par>
-        <p:cTn id="1" dur="indefinite" restart="never" nodeType="tmRoot"/>
+        <p:cTn xmlns:p14="http://schemas.microsoft.com/office/powerpoint/2010/main" id="1" dur="indefinite" restart="never" nodeType="tmRoot"/>
       </p:par>
     </p:tnLst>
   </p:timing>
@@ -3791,7 +3793,7 @@
     </p:spTree>
     <p:extLst>
       <p:ext uri="{BB962C8B-B14F-4D97-AF65-F5344CB8AC3E}">
-        <p14:creationId xmlns="" xmlns:p14="http://schemas.microsoft.com/office/powerpoint/2010/main" val="3727191213"/>
+        <p14:creationId xmlns:p14="http://schemas.microsoft.com/office/powerpoint/2010/main" val="3727191213"/>
       </p:ext>
     </p:extLst>
   </p:cSld>
@@ -3801,7 +3803,7 @@
   <p:timing>
     <p:tnLst>
       <p:par>
-        <p:cTn id="1" dur="indefinite" restart="never" nodeType="tmRoot"/>
+        <p:cTn xmlns:p14="http://schemas.microsoft.com/office/powerpoint/2010/main" id="1" dur="indefinite" restart="never" nodeType="tmRoot"/>
       </p:par>
     </p:tnLst>
   </p:timing>
@@ -4020,20 +4022,13 @@
           </a:fontRef>
         </p:style>
         <p:txBody>
-          <a:bodyPr anchor="t"/>
+          <a:bodyPr anchor="ctr"/>
           <a:lstStyle/>
           <a:p>
             <a:pPr algn="ctr"/>
             <a:r>
               <a:rPr lang="en-US" b="1" dirty="0" smtClean="0"/>
               <a:t>Channel</a:t>
-            </a:r>
-            <a:br>
-              <a:rPr lang="en-US" b="1" dirty="0" smtClean="0"/>
-            </a:br>
-            <a:r>
-              <a:rPr lang="en-US" dirty="0" smtClean="0"/>
-              <a:t>(To Queue)</a:t>
             </a:r>
             <a:endParaRPr lang="en-US" dirty="0"/>
           </a:p>
@@ -4072,20 +4067,13 @@
           </a:fontRef>
         </p:style>
         <p:txBody>
-          <a:bodyPr anchor="t"/>
+          <a:bodyPr anchor="ctr"/>
           <a:lstStyle/>
           <a:p>
             <a:pPr algn="ctr"/>
             <a:r>
               <a:rPr lang="en-US" b="1" dirty="0" smtClean="0"/>
               <a:t>Channel</a:t>
-            </a:r>
-          </a:p>
-          <a:p>
-            <a:pPr algn="ctr"/>
-            <a:r>
-              <a:rPr lang="en-US" dirty="0" smtClean="0"/>
-              <a:t>(To Exchange)</a:t>
             </a:r>
             <a:endParaRPr lang="en-US" dirty="0"/>
           </a:p>
@@ -4352,7 +4340,7 @@
     </p:spTree>
     <p:extLst>
       <p:ext uri="{BB962C8B-B14F-4D97-AF65-F5344CB8AC3E}">
-        <p14:creationId xmlns="" xmlns:p14="http://schemas.microsoft.com/office/powerpoint/2010/main" val="2860861957"/>
+        <p14:creationId xmlns:p14="http://schemas.microsoft.com/office/powerpoint/2010/main" val="2860861957"/>
       </p:ext>
     </p:extLst>
   </p:cSld>
@@ -4362,7 +4350,7 @@
   <p:timing>
     <p:tnLst>
       <p:par>
-        <p:cTn id="1" dur="indefinite" restart="never" nodeType="tmRoot">
+        <p:cTn xmlns:p14="http://schemas.microsoft.com/office/powerpoint/2010/main" id="1" dur="indefinite" restart="never" nodeType="tmRoot">
           <p:childTnLst>
             <p:seq concurrent="1" nextAc="seek">
               <p:cTn id="2" dur="indefinite" nodeType="mainSeq">
@@ -4933,7 +4921,7 @@
     </p:spTree>
     <p:extLst>
       <p:ext uri="{BB962C8B-B14F-4D97-AF65-F5344CB8AC3E}">
-        <p14:creationId xmlns="" xmlns:p14="http://schemas.microsoft.com/office/powerpoint/2010/main" val="2038371633"/>
+        <p14:creationId xmlns:p14="http://schemas.microsoft.com/office/powerpoint/2010/main" val="2038371633"/>
       </p:ext>
     </p:extLst>
   </p:cSld>
@@ -4943,7 +4931,7 @@
   <p:timing>
     <p:tnLst>
       <p:par>
-        <p:cTn id="1" dur="indefinite" restart="never" nodeType="tmRoot"/>
+        <p:cTn xmlns:p14="http://schemas.microsoft.com/office/powerpoint/2010/main" id="1" dur="indefinite" restart="never" nodeType="tmRoot"/>
       </p:par>
     </p:tnLst>
   </p:timing>
@@ -5157,7 +5145,7 @@
     </p:spTree>
     <p:extLst>
       <p:ext uri="{BB962C8B-B14F-4D97-AF65-F5344CB8AC3E}">
-        <p14:creationId xmlns="" xmlns:p14="http://schemas.microsoft.com/office/powerpoint/2010/main" val="2036651883"/>
+        <p14:creationId xmlns:p14="http://schemas.microsoft.com/office/powerpoint/2010/main" val="2036651883"/>
       </p:ext>
     </p:extLst>
   </p:cSld>
@@ -5167,7 +5155,7 @@
   <p:timing>
     <p:tnLst>
       <p:par>
-        <p:cTn id="1" dur="indefinite" restart="never" nodeType="tmRoot"/>
+        <p:cTn xmlns:p14="http://schemas.microsoft.com/office/powerpoint/2010/main" id="1" dur="indefinite" restart="never" nodeType="tmRoot"/>
       </p:par>
     </p:tnLst>
   </p:timing>
@@ -5581,7 +5569,7 @@
     </p:spTree>
     <p:extLst>
       <p:ext uri="{BB962C8B-B14F-4D97-AF65-F5344CB8AC3E}">
-        <p14:creationId xmlns="" xmlns:p14="http://schemas.microsoft.com/office/powerpoint/2010/main" val="3111764777"/>
+        <p14:creationId xmlns:p14="http://schemas.microsoft.com/office/powerpoint/2010/main" val="3111764777"/>
       </p:ext>
     </p:extLst>
   </p:cSld>
@@ -5591,7 +5579,7 @@
   <p:timing>
     <p:tnLst>
       <p:par>
-        <p:cTn id="1" dur="indefinite" restart="never" nodeType="tmRoot"/>
+        <p:cTn xmlns:p14="http://schemas.microsoft.com/office/powerpoint/2010/main" id="1" dur="indefinite" restart="never" nodeType="tmRoot"/>
       </p:par>
     </p:tnLst>
   </p:timing>
@@ -5993,7 +5981,7 @@
     </p:spTree>
     <p:extLst>
       <p:ext uri="{BB962C8B-B14F-4D97-AF65-F5344CB8AC3E}">
-        <p14:creationId xmlns="" xmlns:p14="http://schemas.microsoft.com/office/powerpoint/2010/main" val="4055599914"/>
+        <p14:creationId xmlns:p14="http://schemas.microsoft.com/office/powerpoint/2010/main" val="4055599914"/>
       </p:ext>
     </p:extLst>
   </p:cSld>
@@ -6003,7 +5991,7 @@
   <p:timing>
     <p:tnLst>
       <p:par>
-        <p:cTn id="1" dur="indefinite" restart="never" nodeType="tmRoot"/>
+        <p:cTn xmlns:p14="http://schemas.microsoft.com/office/powerpoint/2010/main" id="1" dur="indefinite" restart="never" nodeType="tmRoot"/>
       </p:par>
     </p:tnLst>
   </p:timing>
@@ -6073,8 +6061,13 @@
           <a:p>
             <a:r>
               <a:rPr lang="en-US" dirty="0" smtClean="0"/>
-              <a:t>Exclusive – only allow one client to pull from this queue</a:t>
-            </a:r>
+              <a:t>Exclusive – only allow </a:t>
+            </a:r>
+            <a:r>
+              <a:rPr lang="en-US" dirty="0" smtClean="0"/>
+              <a:t>the client which created the queue to use it</a:t>
+            </a:r>
+            <a:endParaRPr lang="en-US" dirty="0" smtClean="0"/>
           </a:p>
           <a:p>
             <a:r>
@@ -6087,7 +6080,7 @@
     </p:spTree>
     <p:extLst>
       <p:ext uri="{BB962C8B-B14F-4D97-AF65-F5344CB8AC3E}">
-        <p14:creationId xmlns="" xmlns:p14="http://schemas.microsoft.com/office/powerpoint/2010/main" val="618666132"/>
+        <p14:creationId xmlns:p14="http://schemas.microsoft.com/office/powerpoint/2010/main" val="618666132"/>
       </p:ext>
     </p:extLst>
   </p:cSld>
@@ -6097,7 +6090,7 @@
   <p:timing>
     <p:tnLst>
       <p:par>
-        <p:cTn id="1" dur="indefinite" restart="never" nodeType="tmRoot"/>
+        <p:cTn xmlns:p14="http://schemas.microsoft.com/office/powerpoint/2010/main" id="1" dur="indefinite" restart="never" nodeType="tmRoot"/>
       </p:par>
     </p:tnLst>
   </p:timing>
@@ -6137,8 +6130,12 @@
           <a:lstStyle/>
           <a:p>
             <a:r>
-              <a:rPr lang="en-US" dirty="0" smtClean="0"/>
-              <a:t>Message Features</a:t>
+              <a:rPr lang="en-US" dirty="0" err="1" smtClean="0"/>
+              <a:t>RabbitMQ</a:t>
+            </a:r>
+            <a:r>
+              <a:rPr lang="en-US" dirty="0" smtClean="0"/>
+              <a:t> Management Console</a:t>
             </a:r>
             <a:endParaRPr lang="en-US" dirty="0"/>
           </a:p>
@@ -6161,39 +6158,34 @@
           <a:p>
             <a:r>
               <a:rPr lang="en-US" dirty="0" smtClean="0"/>
-              <a:t>MIME type – standard encodings</a:t>
-            </a:r>
-          </a:p>
-          <a:p>
-            <a:r>
-              <a:rPr lang="en-US" dirty="0" smtClean="0"/>
-              <a:t>Headers – metadata about the message</a:t>
-            </a:r>
-          </a:p>
-          <a:p>
-            <a:r>
-              <a:rPr lang="en-US" dirty="0" smtClean="0"/>
-              <a:t>Routing Key – used for topic binding</a:t>
-            </a:r>
-          </a:p>
-          <a:p>
-            <a:r>
-              <a:rPr lang="en-US" dirty="0" smtClean="0"/>
-              <a:t>Mandatory – require one bound queue</a:t>
-            </a:r>
-          </a:p>
-          <a:p>
-            <a:r>
-              <a:rPr lang="en-US" dirty="0" smtClean="0"/>
-              <a:t>Immediate – require subscribers on all queues</a:t>
-            </a:r>
+              <a:t>Requires plugins to be installed</a:t>
+            </a:r>
+          </a:p>
+          <a:p>
+            <a:r>
+              <a:rPr lang="en-US" dirty="0" smtClean="0"/>
+              <a:t>Port: 55672</a:t>
+            </a:r>
+          </a:p>
+          <a:p>
+            <a:r>
+              <a:rPr lang="en-US" dirty="0" smtClean="0"/>
+              <a:t>Includes documented REST API</a:t>
+            </a:r>
+          </a:p>
+          <a:p>
+            <a:r>
+              <a:rPr lang="en-US" dirty="0" smtClean="0"/>
+              <a:t>Is a thing of beauty</a:t>
+            </a:r>
+            <a:endParaRPr lang="en-US" dirty="0"/>
           </a:p>
         </p:txBody>
       </p:sp>
     </p:spTree>
     <p:extLst>
       <p:ext uri="{BB962C8B-B14F-4D97-AF65-F5344CB8AC3E}">
-        <p14:creationId xmlns="" xmlns:p14="http://schemas.microsoft.com/office/powerpoint/2010/main" val="2673012972"/>
+        <p14:creationId xmlns:p14="http://schemas.microsoft.com/office/powerpoint/2010/main" val="865442705"/>
       </p:ext>
     </p:extLst>
   </p:cSld>
@@ -6203,7 +6195,7 @@
   <p:timing>
     <p:tnLst>
       <p:par>
-        <p:cTn id="1" dur="indefinite" restart="never" nodeType="tmRoot"/>
+        <p:cTn xmlns:p14="http://schemas.microsoft.com/office/powerpoint/2010/main" id="1" dur="indefinite" restart="never" nodeType="tmRoot"/>
       </p:par>
     </p:tnLst>
   </p:timing>
@@ -6244,7 +6236,7 @@
           <a:p>
             <a:r>
               <a:rPr lang="en-US" dirty="0" smtClean="0"/>
-              <a:t>Demo 1 – Pub / Sub</a:t>
+              <a:t>Message Features</a:t>
             </a:r>
             <a:endParaRPr lang="en-US" dirty="0"/>
           </a:p>
@@ -6262,38 +6254,83 @@
         </p:nvSpPr>
         <p:spPr/>
         <p:txBody>
-          <a:bodyPr/>
-          <a:lstStyle/>
-          <a:p>
-            <a:r>
-              <a:rPr lang="en-US" dirty="0" smtClean="0"/>
-              <a:t>Publisher process creates 1 exchange</a:t>
-            </a:r>
-          </a:p>
-          <a:p>
-            <a:r>
-              <a:rPr lang="en-US" dirty="0" smtClean="0"/>
-              <a:t>Logger service subscribes and logs events</a:t>
-            </a:r>
-          </a:p>
-          <a:p>
-            <a:r>
-              <a:rPr lang="en-US" dirty="0" smtClean="0"/>
-              <a:t>DB service subscribes and saves to database</a:t>
-            </a:r>
-          </a:p>
-          <a:p>
+          <a:bodyPr>
+            <a:normAutofit lnSpcReduction="10000"/>
+          </a:bodyPr>
+          <a:lstStyle/>
+          <a:p>
+            <a:r>
+              <a:rPr lang="en-US" dirty="0" smtClean="0"/>
+              <a:t>Content-Type – specify message encoding</a:t>
+            </a:r>
             <a:endParaRPr lang="en-US" dirty="0" smtClean="0"/>
           </a:p>
           <a:p>
-            <a:endParaRPr lang="en-US" dirty="0"/>
+            <a:r>
+              <a:rPr lang="en-US" dirty="0" smtClean="0"/>
+              <a:t>Headers – metadata about the </a:t>
+            </a:r>
+            <a:r>
+              <a:rPr lang="en-US" dirty="0" smtClean="0"/>
+              <a:t>message</a:t>
+            </a:r>
+          </a:p>
+          <a:p>
+            <a:r>
+              <a:rPr lang="en-US" dirty="0" err="1" smtClean="0"/>
+              <a:t>CorrelationId</a:t>
+            </a:r>
+            <a:r>
+              <a:rPr lang="en-US" dirty="0" smtClean="0"/>
+              <a:t> – used to associate messages</a:t>
+            </a:r>
+          </a:p>
+          <a:p>
+            <a:r>
+              <a:rPr lang="en-US" dirty="0" err="1" smtClean="0"/>
+              <a:t>MessageId</a:t>
+            </a:r>
+            <a:r>
+              <a:rPr lang="en-US" dirty="0" smtClean="0"/>
+              <a:t> – used to uniquely id a message</a:t>
+            </a:r>
+            <a:endParaRPr lang="en-US" dirty="0" smtClean="0"/>
+          </a:p>
+          <a:p>
+            <a:r>
+              <a:rPr lang="en-US" dirty="0" smtClean="0"/>
+              <a:t>Routing Key – used for topic </a:t>
+            </a:r>
+            <a:r>
+              <a:rPr lang="en-US" dirty="0" smtClean="0"/>
+              <a:t>binding</a:t>
+            </a:r>
+          </a:p>
+          <a:p>
+            <a:r>
+              <a:rPr lang="en-US" dirty="0" smtClean="0"/>
+              <a:t>Persistent – messages are saved to disk</a:t>
+            </a:r>
+            <a:endParaRPr lang="en-US" dirty="0" smtClean="0"/>
+          </a:p>
+          <a:p>
+            <a:r>
+              <a:rPr lang="en-US" dirty="0" smtClean="0"/>
+              <a:t>Mandatory – require one bound queue</a:t>
+            </a:r>
+          </a:p>
+          <a:p>
+            <a:r>
+              <a:rPr lang="en-US" dirty="0" smtClean="0"/>
+              <a:t>Immediate – require subscribers on all queues</a:t>
+            </a:r>
           </a:p>
         </p:txBody>
       </p:sp>
     </p:spTree>
     <p:extLst>
       <p:ext uri="{BB962C8B-B14F-4D97-AF65-F5344CB8AC3E}">
-        <p14:creationId xmlns="" xmlns:p14="http://schemas.microsoft.com/office/powerpoint/2010/main" val="4096890464"/>
+        <p14:creationId xmlns:p14="http://schemas.microsoft.com/office/powerpoint/2010/main" val="2673012972"/>
       </p:ext>
     </p:extLst>
   </p:cSld>
@@ -6303,7 +6340,7 @@
   <p:timing>
     <p:tnLst>
       <p:par>
-        <p:cTn id="1" dur="indefinite" restart="never" nodeType="tmRoot"/>
+        <p:cTn xmlns:p14="http://schemas.microsoft.com/office/powerpoint/2010/main" id="1" dur="indefinite" restart="never" nodeType="tmRoot"/>
       </p:par>
     </p:tnLst>
   </p:timing>
@@ -6339,44 +6376,114 @@
         </p:nvSpPr>
         <p:spPr/>
         <p:txBody>
+          <a:bodyPr/>
+          <a:lstStyle/>
+          <a:p>
+            <a:r>
+              <a:rPr lang="en-US" dirty="0" smtClean="0"/>
+              <a:t>Demo 1 – Pub / Sub</a:t>
+            </a:r>
+            <a:endParaRPr lang="en-US" dirty="0"/>
+          </a:p>
+        </p:txBody>
+      </p:sp>
+      <p:sp>
+        <p:nvSpPr>
+          <p:cNvPr id="3" name="Content Placeholder 2"/>
+          <p:cNvSpPr>
+            <a:spLocks noGrp="1"/>
+          </p:cNvSpPr>
+          <p:nvPr>
+            <p:ph idx="1"/>
+          </p:nvPr>
+        </p:nvSpPr>
+        <p:spPr/>
+        <p:txBody>
           <a:bodyPr>
-            <a:normAutofit fontScale="90000"/>
+            <a:normAutofit lnSpcReduction="10000"/>
           </a:bodyPr>
           <a:lstStyle/>
           <a:p>
             <a:r>
               <a:rPr lang="en-US" dirty="0" smtClean="0"/>
-              <a:t>Demo 2 – Request / Response with Competing Consumers</a:t>
-            </a:r>
-            <a:endParaRPr lang="en-US" dirty="0"/>
-          </a:p>
-        </p:txBody>
-      </p:sp>
-      <p:sp>
-        <p:nvSpPr>
-          <p:cNvPr id="3" name="Content Placeholder 2"/>
-          <p:cNvSpPr>
-            <a:spLocks noGrp="1"/>
-          </p:cNvSpPr>
-          <p:nvPr>
-            <p:ph idx="1"/>
-          </p:nvPr>
-        </p:nvSpPr>
-        <p:spPr/>
-        <p:txBody>
-          <a:bodyPr/>
-          <a:lstStyle/>
-          <a:p>
-            <a:r>
-              <a:rPr lang="en-US" dirty="0" smtClean="0"/>
-              <a:t>Requestor process publishes request</a:t>
-            </a:r>
-          </a:p>
-          <a:p>
-            <a:r>
-              <a:rPr lang="en-US" dirty="0" smtClean="0"/>
-              <a:t>Responder processes compete to answer request</a:t>
-            </a:r>
+              <a:t>Publisher process creates 1 exchange</a:t>
+            </a:r>
+          </a:p>
+          <a:p>
+            <a:r>
+              <a:rPr lang="en-US" dirty="0" smtClean="0"/>
+              <a:t>Logger </a:t>
+            </a:r>
+            <a:r>
+              <a:rPr lang="en-US" dirty="0" smtClean="0"/>
+              <a:t>service</a:t>
+            </a:r>
+          </a:p>
+          <a:p>
+            <a:pPr lvl="1"/>
+            <a:r>
+              <a:rPr lang="en-US" dirty="0" smtClean="0"/>
+              <a:t>Creates queue</a:t>
+            </a:r>
+          </a:p>
+          <a:p>
+            <a:pPr lvl="1"/>
+            <a:r>
+              <a:rPr lang="en-US" dirty="0" smtClean="0"/>
+              <a:t>Binds it to exchange </a:t>
+            </a:r>
+          </a:p>
+          <a:p>
+            <a:pPr lvl="1"/>
+            <a:r>
+              <a:rPr lang="en-US" dirty="0"/>
+              <a:t>S</a:t>
+            </a:r>
+            <a:r>
+              <a:rPr lang="en-US" dirty="0" smtClean="0"/>
+              <a:t>ubscribes </a:t>
+            </a:r>
+            <a:r>
+              <a:rPr lang="en-US" dirty="0" smtClean="0"/>
+              <a:t>and logs events</a:t>
+            </a:r>
+          </a:p>
+          <a:p>
+            <a:r>
+              <a:rPr lang="en-US" dirty="0" smtClean="0"/>
+              <a:t>DB service </a:t>
+            </a:r>
+            <a:endParaRPr lang="en-US" dirty="0" smtClean="0"/>
+          </a:p>
+          <a:p>
+            <a:pPr lvl="1"/>
+            <a:r>
+              <a:rPr lang="en-US" dirty="0" smtClean="0"/>
+              <a:t>Creates queue</a:t>
+            </a:r>
+          </a:p>
+          <a:p>
+            <a:pPr lvl="1"/>
+            <a:r>
+              <a:rPr lang="en-US" dirty="0" smtClean="0"/>
+              <a:t>Binds it to exchange</a:t>
+            </a:r>
+          </a:p>
+          <a:p>
+            <a:pPr lvl="1"/>
+            <a:r>
+              <a:rPr lang="en-US" dirty="0" smtClean="0"/>
+              <a:t>Subscribes </a:t>
+            </a:r>
+            <a:r>
+              <a:rPr lang="en-US" dirty="0" smtClean="0"/>
+              <a:t>and saves to database</a:t>
+            </a:r>
+          </a:p>
+          <a:p>
+            <a:endParaRPr lang="en-US" dirty="0" smtClean="0"/>
+          </a:p>
+          <a:p>
             <a:endParaRPr lang="en-US" dirty="0"/>
           </a:p>
         </p:txBody>
@@ -6384,7 +6491,7 @@
     </p:spTree>
     <p:extLst>
       <p:ext uri="{BB962C8B-B14F-4D97-AF65-F5344CB8AC3E}">
-        <p14:creationId xmlns="" xmlns:p14="http://schemas.microsoft.com/office/powerpoint/2010/main" val="1148363130"/>
+        <p14:creationId xmlns:p14="http://schemas.microsoft.com/office/powerpoint/2010/main" val="4096890464"/>
       </p:ext>
     </p:extLst>
   </p:cSld>
@@ -6394,7 +6501,7 @@
   <p:timing>
     <p:tnLst>
       <p:par>
-        <p:cTn id="1" dur="indefinite" restart="never" nodeType="tmRoot"/>
+        <p:cTn xmlns:p14="http://schemas.microsoft.com/office/powerpoint/2010/main" id="1" dur="indefinite" restart="never" nodeType="tmRoot"/>
       </p:par>
     </p:tnLst>
   </p:timing>
@@ -6469,6 +6576,13 @@
           <a:p>
             <a:r>
               <a:rPr lang="en-US" dirty="0" smtClean="0"/>
+              <a:t>Distributed systems nerd</a:t>
+            </a:r>
+            <a:endParaRPr lang="en-US" dirty="0" smtClean="0"/>
+          </a:p>
+          <a:p>
+            <a:r>
+              <a:rPr lang="en-US" dirty="0" smtClean="0"/>
               <a:t>Blog: </a:t>
             </a:r>
             <a:r>
@@ -6524,7 +6638,7 @@
     </p:spTree>
     <p:extLst>
       <p:ext uri="{BB962C8B-B14F-4D97-AF65-F5344CB8AC3E}">
-        <p14:creationId xmlns="" xmlns:p14="http://schemas.microsoft.com/office/powerpoint/2010/main" val="2118395177"/>
+        <p14:creationId xmlns:p14="http://schemas.microsoft.com/office/powerpoint/2010/main" val="2118395177"/>
       </p:ext>
     </p:extLst>
   </p:cSld>
@@ -6534,7 +6648,7 @@
   <p:timing>
     <p:tnLst>
       <p:par>
-        <p:cTn id="1" dur="indefinite" restart="never" nodeType="tmRoot"/>
+        <p:cTn xmlns:p14="http://schemas.microsoft.com/office/powerpoint/2010/main" id="1" dur="indefinite" restart="never" nodeType="tmRoot"/>
       </p:par>
     </p:tnLst>
   </p:timing>
@@ -6570,88 +6684,73 @@
         </p:nvSpPr>
         <p:spPr/>
         <p:txBody>
+          <a:bodyPr>
+            <a:normAutofit fontScale="90000"/>
+          </a:bodyPr>
+          <a:lstStyle/>
+          <a:p>
+            <a:r>
+              <a:rPr lang="en-US" dirty="0" smtClean="0"/>
+              <a:t>Demo 2 – Request / Response with Competing Consumers</a:t>
+            </a:r>
+            <a:endParaRPr lang="en-US" dirty="0"/>
+          </a:p>
+        </p:txBody>
+      </p:sp>
+      <p:sp>
+        <p:nvSpPr>
+          <p:cNvPr id="3" name="Content Placeholder 2"/>
+          <p:cNvSpPr>
+            <a:spLocks noGrp="1"/>
+          </p:cNvSpPr>
+          <p:nvPr>
+            <p:ph idx="1"/>
+          </p:nvPr>
+        </p:nvSpPr>
+        <p:spPr/>
+        <p:txBody>
           <a:bodyPr/>
           <a:lstStyle/>
           <a:p>
             <a:r>
               <a:rPr lang="en-US" dirty="0" smtClean="0"/>
-              <a:t>From Here</a:t>
-            </a:r>
-            <a:endParaRPr lang="en-US" dirty="0"/>
-          </a:p>
-        </p:txBody>
-      </p:sp>
-      <p:sp>
-        <p:nvSpPr>
-          <p:cNvPr id="3" name="Content Placeholder 2"/>
-          <p:cNvSpPr>
-            <a:spLocks noGrp="1"/>
-          </p:cNvSpPr>
-          <p:nvPr>
-            <p:ph idx="1"/>
-          </p:nvPr>
-        </p:nvSpPr>
-        <p:spPr/>
-        <p:txBody>
-          <a:bodyPr/>
-          <a:lstStyle/>
-          <a:p>
-            <a:r>
-              <a:rPr lang="en-US" dirty="0" smtClean="0">
-                <a:hlinkClick r:id="rId2"/>
-              </a:rPr>
-              <a:t>www.rabbitmq.com</a:t>
+              <a:t>Requestor process </a:t>
             </a:r>
             <a:endParaRPr lang="en-US" dirty="0" smtClean="0"/>
           </a:p>
           <a:p>
-            <a:r>
-              <a:rPr lang="en-US" dirty="0" err="1" smtClean="0"/>
-              <a:t>RabbitMQ</a:t>
-            </a:r>
-            <a:r>
-              <a:rPr lang="en-US" dirty="0" smtClean="0"/>
-              <a:t> in Action – Alvaro </a:t>
-            </a:r>
-            <a:r>
-              <a:rPr lang="en-US" dirty="0" err="1" smtClean="0"/>
-              <a:t>Videla</a:t>
-            </a:r>
-            <a:r>
-              <a:rPr lang="en-US" dirty="0" smtClean="0"/>
-              <a:t> / Jason Williams</a:t>
-            </a:r>
-          </a:p>
-          <a:p>
-            <a:r>
-              <a:rPr lang="en-US" dirty="0" err="1" smtClean="0"/>
-              <a:t>Gregor</a:t>
-            </a:r>
-            <a:r>
-              <a:rPr lang="en-US" dirty="0" smtClean="0"/>
-              <a:t> </a:t>
-            </a:r>
-            <a:r>
-              <a:rPr lang="en-US" dirty="0" err="1" smtClean="0"/>
-              <a:t>Hophe</a:t>
-            </a:r>
-            <a:r>
-              <a:rPr lang="en-US" dirty="0" smtClean="0"/>
-              <a:t>!</a:t>
-            </a:r>
-          </a:p>
-          <a:p>
             <a:pPr lvl="1"/>
             <a:r>
               <a:rPr lang="en-US" dirty="0" smtClean="0"/>
-              <a:t>Enterprise Integration Patterns</a:t>
+              <a:t>Creates entire topology</a:t>
+            </a:r>
+          </a:p>
+          <a:p>
+            <a:pPr lvl="2"/>
+            <a:r>
+              <a:rPr lang="en-US" dirty="0" smtClean="0"/>
+              <a:t>Request exchange -&gt; Requests queue</a:t>
+            </a:r>
+          </a:p>
+          <a:p>
+            <a:pPr lvl="2"/>
+            <a:r>
+              <a:rPr lang="en-US" dirty="0" smtClean="0"/>
+              <a:t>Response exchange -&gt; Response queue</a:t>
             </a:r>
           </a:p>
           <a:p>
             <a:pPr lvl="1"/>
             <a:r>
-              <a:rPr lang="en-US" dirty="0" err="1" smtClean="0"/>
-              <a:t>Eaipatterns.com</a:t>
+              <a:rPr lang="en-US" dirty="0" smtClean="0"/>
+              <a:t>Publishes lots of requests</a:t>
+            </a:r>
+            <a:endParaRPr lang="en-US" dirty="0" smtClean="0"/>
+          </a:p>
+          <a:p>
+            <a:r>
+              <a:rPr lang="en-US" dirty="0" smtClean="0"/>
+              <a:t>Responder processes compete to answer request</a:t>
             </a:r>
             <a:endParaRPr lang="en-US" dirty="0"/>
           </a:p>
@@ -6660,7 +6759,7 @@
     </p:spTree>
     <p:extLst>
       <p:ext uri="{BB962C8B-B14F-4D97-AF65-F5344CB8AC3E}">
-        <p14:creationId xmlns="" xmlns:p14="http://schemas.microsoft.com/office/powerpoint/2010/main" val="3171703281"/>
+        <p14:creationId xmlns:p14="http://schemas.microsoft.com/office/powerpoint/2010/main" val="1148363130"/>
       </p:ext>
     </p:extLst>
   </p:cSld>
@@ -6670,7 +6769,7 @@
   <p:timing>
     <p:tnLst>
       <p:par>
-        <p:cTn id="1" dur="indefinite" restart="never" nodeType="tmRoot"/>
+        <p:cTn xmlns:p14="http://schemas.microsoft.com/office/powerpoint/2010/main" id="1" dur="indefinite" restart="never" nodeType="tmRoot"/>
       </p:par>
     </p:tnLst>
   </p:timing>
@@ -6706,12 +6805,14 @@
         </p:nvSpPr>
         <p:spPr/>
         <p:txBody>
-          <a:bodyPr/>
-          <a:lstStyle/>
-          <a:p>
-            <a:r>
-              <a:rPr lang="en-US" dirty="0" smtClean="0"/>
-              <a:t>Wrapping Up</a:t>
+          <a:bodyPr>
+            <a:normAutofit/>
+          </a:bodyPr>
+          <a:lstStyle/>
+          <a:p>
+            <a:r>
+              <a:rPr lang="en-US" dirty="0" smtClean="0"/>
+              <a:t>Avoiding Pitfalls</a:t>
             </a:r>
             <a:endParaRPr lang="en-US" dirty="0"/>
           </a:p>
@@ -6729,80 +6830,76 @@
         </p:nvSpPr>
         <p:spPr/>
         <p:txBody>
-          <a:bodyPr/>
-          <a:lstStyle/>
-          <a:p>
-            <a:r>
-              <a:rPr lang="en-US" dirty="0" smtClean="0"/>
-              <a:t>Questions?</a:t>
-            </a:r>
-          </a:p>
-          <a:p>
-            <a:r>
-              <a:rPr lang="en-US" dirty="0" smtClean="0"/>
-              <a:t>Want to talk even more?</a:t>
-            </a:r>
-          </a:p>
-          <a:p>
-            <a:pPr lvl="1"/>
-            <a:r>
-              <a:rPr lang="en-US" dirty="0" smtClean="0"/>
-              <a:t>Open Spaces!</a:t>
-            </a:r>
-          </a:p>
-          <a:p>
-            <a:pPr lvl="1"/>
-            <a:r>
-              <a:rPr lang="en-US" dirty="0" smtClean="0"/>
-              <a:t>@</a:t>
-            </a:r>
-            <a:r>
-              <a:rPr lang="en-US" dirty="0" err="1" smtClean="0"/>
-              <a:t>A_Robson</a:t>
-            </a:r>
-            <a:endParaRPr lang="en-US" dirty="0"/>
-          </a:p>
-          <a:p>
-            <a:pPr lvl="1"/>
-            <a:r>
-              <a:rPr lang="en-US" dirty="0" smtClean="0"/>
-              <a:t>Alex AT </a:t>
-            </a:r>
-            <a:r>
-              <a:rPr lang="en-US" dirty="0" err="1" smtClean="0"/>
-              <a:t>sharplearningcurve</a:t>
-            </a:r>
-            <a:r>
-              <a:rPr lang="en-US" dirty="0" smtClean="0"/>
-              <a:t> DOT com</a:t>
-            </a:r>
-          </a:p>
-          <a:p>
-            <a:r>
-              <a:rPr lang="en-US" dirty="0" smtClean="0"/>
-              <a:t>Sometimes I write code to share</a:t>
-            </a:r>
-          </a:p>
-          <a:p>
-            <a:pPr lvl="1"/>
-            <a:r>
-              <a:rPr lang="en-US" dirty="0" smtClean="0">
-                <a:hlinkClick r:id="rId2"/>
-              </a:rPr>
-              <a:t>www.github.com/arobson</a:t>
+          <a:bodyPr>
+            <a:normAutofit lnSpcReduction="10000"/>
+          </a:bodyPr>
+          <a:lstStyle/>
+          <a:p>
+            <a:r>
+              <a:rPr lang="en-US" b="1" dirty="0" smtClean="0"/>
+              <a:t>Don’t</a:t>
+            </a:r>
+            <a:r>
+              <a:rPr lang="en-US" dirty="0" smtClean="0"/>
+              <a:t> embed topology management in the app</a:t>
+            </a:r>
+          </a:p>
+          <a:p>
+            <a:r>
+              <a:rPr lang="en-US" b="1" dirty="0" smtClean="0"/>
+              <a:t>Don’t</a:t>
+            </a:r>
+            <a:r>
+              <a:rPr lang="en-US" dirty="0" smtClean="0"/>
+              <a:t> code directly against AMQP in the app</a:t>
+            </a:r>
+            <a:endParaRPr lang="en-US" b="1" dirty="0"/>
+          </a:p>
+          <a:p>
+            <a:r>
+              <a:rPr lang="en-US" b="1" dirty="0" smtClean="0"/>
+              <a:t>Understand </a:t>
+            </a:r>
+            <a:r>
+              <a:rPr lang="en-US" dirty="0" smtClean="0"/>
+              <a:t>how your language / lib is handling message receives.</a:t>
+            </a:r>
+          </a:p>
+          <a:p>
+            <a:r>
+              <a:rPr lang="en-US" b="1" dirty="0" smtClean="0"/>
+              <a:t>Understand </a:t>
+            </a:r>
+            <a:r>
+              <a:rPr lang="en-US" dirty="0" smtClean="0"/>
+              <a:t>how topology affects performance.</a:t>
+            </a:r>
+          </a:p>
+          <a:p>
+            <a:r>
+              <a:rPr lang="en-US" b="1" dirty="0"/>
+              <a:t>READ THE </a:t>
+            </a:r>
+            <a:r>
+              <a:rPr lang="en-US" b="1" dirty="0" smtClean="0"/>
+              <a:t>SPECIFICATION </a:t>
+            </a:r>
+            <a:r>
+              <a:rPr lang="en-US" dirty="0" smtClean="0"/>
+              <a:t>(or pay someone on your team to do </a:t>
+            </a:r>
+            <a:r>
+              <a:rPr lang="en-US" smtClean="0"/>
+              <a:t>this)</a:t>
             </a:r>
             <a:endParaRPr lang="en-US" dirty="0" smtClean="0"/>
-          </a:p>
-          <a:p>
-            <a:pPr lvl="1"/>
-            <a:endParaRPr lang="en-US" dirty="0"/>
           </a:p>
         </p:txBody>
       </p:sp>
     </p:spTree>
     <p:extLst>
       <p:ext uri="{BB962C8B-B14F-4D97-AF65-F5344CB8AC3E}">
-        <p14:creationId xmlns="" xmlns:p14="http://schemas.microsoft.com/office/powerpoint/2010/main" val="2330615728"/>
+        <p14:creationId xmlns:p14="http://schemas.microsoft.com/office/powerpoint/2010/main" val="4076698869"/>
       </p:ext>
     </p:extLst>
   </p:cSld>
@@ -6812,7 +6909,285 @@
   <p:timing>
     <p:tnLst>
       <p:par>
-        <p:cTn id="1" dur="indefinite" restart="never" nodeType="tmRoot"/>
+        <p:cTn xmlns:p14="http://schemas.microsoft.com/office/powerpoint/2010/main" id="1" dur="indefinite" restart="never" nodeType="tmRoot"/>
+      </p:par>
+    </p:tnLst>
+  </p:timing>
+</p:sld>
+</file>
+
+<file path=ppt/slides/slide22.xml><?xml version="1.0" encoding="utf-8"?>
+<p:sld xmlns:a="http://schemas.openxmlformats.org/drawingml/2006/main" xmlns:r="http://schemas.openxmlformats.org/officeDocument/2006/relationships" xmlns:p="http://schemas.openxmlformats.org/presentationml/2006/main">
+  <p:cSld>
+    <p:spTree>
+      <p:nvGrpSpPr>
+        <p:cNvPr id="1" name=""/>
+        <p:cNvGrpSpPr/>
+        <p:nvPr/>
+      </p:nvGrpSpPr>
+      <p:grpSpPr>
+        <a:xfrm>
+          <a:off x="0" y="0"/>
+          <a:ext cx="0" cy="0"/>
+          <a:chOff x="0" y="0"/>
+          <a:chExt cx="0" cy="0"/>
+        </a:xfrm>
+      </p:grpSpPr>
+      <p:sp>
+        <p:nvSpPr>
+          <p:cNvPr id="2" name="Title 1"/>
+          <p:cNvSpPr>
+            <a:spLocks noGrp="1"/>
+          </p:cNvSpPr>
+          <p:nvPr>
+            <p:ph type="title"/>
+          </p:nvPr>
+        </p:nvSpPr>
+        <p:spPr/>
+        <p:txBody>
+          <a:bodyPr/>
+          <a:lstStyle/>
+          <a:p>
+            <a:r>
+              <a:rPr lang="en-US" dirty="0" smtClean="0"/>
+              <a:t>From Here</a:t>
+            </a:r>
+            <a:endParaRPr lang="en-US" dirty="0"/>
+          </a:p>
+        </p:txBody>
+      </p:sp>
+      <p:sp>
+        <p:nvSpPr>
+          <p:cNvPr id="3" name="Content Placeholder 2"/>
+          <p:cNvSpPr>
+            <a:spLocks noGrp="1"/>
+          </p:cNvSpPr>
+          <p:nvPr>
+            <p:ph idx="1"/>
+          </p:nvPr>
+        </p:nvSpPr>
+        <p:spPr/>
+        <p:txBody>
+          <a:bodyPr/>
+          <a:lstStyle/>
+          <a:p>
+            <a:r>
+              <a:rPr lang="en-US" dirty="0" smtClean="0">
+                <a:hlinkClick r:id="rId2"/>
+              </a:rPr>
+              <a:t>www.rabbitmq.com</a:t>
+            </a:r>
+            <a:endParaRPr lang="en-US" dirty="0" smtClean="0"/>
+          </a:p>
+          <a:p>
+            <a:r>
+              <a:rPr lang="en-US" dirty="0" err="1" smtClean="0"/>
+              <a:t>RabbitMQ</a:t>
+            </a:r>
+            <a:r>
+              <a:rPr lang="en-US" dirty="0" smtClean="0"/>
+              <a:t> in Action – Alvaro </a:t>
+            </a:r>
+            <a:r>
+              <a:rPr lang="en-US" dirty="0" err="1" smtClean="0"/>
+              <a:t>Videla</a:t>
+            </a:r>
+            <a:r>
+              <a:rPr lang="en-US" dirty="0" smtClean="0"/>
+              <a:t> / Jason Williams</a:t>
+            </a:r>
+          </a:p>
+          <a:p>
+            <a:r>
+              <a:rPr lang="en-US" dirty="0" err="1" smtClean="0"/>
+              <a:t>Gregor</a:t>
+            </a:r>
+            <a:r>
+              <a:rPr lang="en-US" dirty="0" smtClean="0"/>
+              <a:t> </a:t>
+            </a:r>
+            <a:r>
+              <a:rPr lang="en-US" dirty="0" err="1" smtClean="0"/>
+              <a:t>Hophe</a:t>
+            </a:r>
+            <a:r>
+              <a:rPr lang="en-US" dirty="0" smtClean="0"/>
+              <a:t>!</a:t>
+            </a:r>
+          </a:p>
+          <a:p>
+            <a:pPr lvl="1"/>
+            <a:r>
+              <a:rPr lang="en-US" dirty="0" smtClean="0"/>
+              <a:t>Enterprise Integration Patterns</a:t>
+            </a:r>
+          </a:p>
+          <a:p>
+            <a:pPr lvl="1"/>
+            <a:r>
+              <a:rPr lang="en-US" dirty="0" err="1" smtClean="0"/>
+              <a:t>Eaipatterns.com</a:t>
+            </a:r>
+            <a:endParaRPr lang="en-US" dirty="0"/>
+          </a:p>
+        </p:txBody>
+      </p:sp>
+    </p:spTree>
+    <p:extLst>
+      <p:ext uri="{BB962C8B-B14F-4D97-AF65-F5344CB8AC3E}">
+        <p14:creationId xmlns:p14="http://schemas.microsoft.com/office/powerpoint/2010/main" val="3171703281"/>
+      </p:ext>
+    </p:extLst>
+  </p:cSld>
+  <p:clrMapOvr>
+    <a:masterClrMapping/>
+  </p:clrMapOvr>
+  <p:timing>
+    <p:tnLst>
+      <p:par>
+        <p:cTn xmlns:p14="http://schemas.microsoft.com/office/powerpoint/2010/main" id="1" dur="indefinite" restart="never" nodeType="tmRoot"/>
+      </p:par>
+    </p:tnLst>
+  </p:timing>
+</p:sld>
+</file>
+
+<file path=ppt/slides/slide23.xml><?xml version="1.0" encoding="utf-8"?>
+<p:sld xmlns:a="http://schemas.openxmlformats.org/drawingml/2006/main" xmlns:r="http://schemas.openxmlformats.org/officeDocument/2006/relationships" xmlns:p="http://schemas.openxmlformats.org/presentationml/2006/main">
+  <p:cSld>
+    <p:spTree>
+      <p:nvGrpSpPr>
+        <p:cNvPr id="1" name=""/>
+        <p:cNvGrpSpPr/>
+        <p:nvPr/>
+      </p:nvGrpSpPr>
+      <p:grpSpPr>
+        <a:xfrm>
+          <a:off x="0" y="0"/>
+          <a:ext cx="0" cy="0"/>
+          <a:chOff x="0" y="0"/>
+          <a:chExt cx="0" cy="0"/>
+        </a:xfrm>
+      </p:grpSpPr>
+      <p:sp>
+        <p:nvSpPr>
+          <p:cNvPr id="2" name="Title 1"/>
+          <p:cNvSpPr>
+            <a:spLocks noGrp="1"/>
+          </p:cNvSpPr>
+          <p:nvPr>
+            <p:ph type="title"/>
+          </p:nvPr>
+        </p:nvSpPr>
+        <p:spPr/>
+        <p:txBody>
+          <a:bodyPr/>
+          <a:lstStyle/>
+          <a:p>
+            <a:r>
+              <a:rPr lang="en-US" dirty="0" smtClean="0"/>
+              <a:t>Wrapping Up</a:t>
+            </a:r>
+            <a:endParaRPr lang="en-US" dirty="0"/>
+          </a:p>
+        </p:txBody>
+      </p:sp>
+      <p:sp>
+        <p:nvSpPr>
+          <p:cNvPr id="3" name="Content Placeholder 2"/>
+          <p:cNvSpPr>
+            <a:spLocks noGrp="1"/>
+          </p:cNvSpPr>
+          <p:nvPr>
+            <p:ph idx="1"/>
+          </p:nvPr>
+        </p:nvSpPr>
+        <p:spPr/>
+        <p:txBody>
+          <a:bodyPr/>
+          <a:lstStyle/>
+          <a:p>
+            <a:r>
+              <a:rPr lang="en-US" dirty="0" smtClean="0"/>
+              <a:t>Questions?</a:t>
+            </a:r>
+          </a:p>
+          <a:p>
+            <a:r>
+              <a:rPr lang="en-US" dirty="0" smtClean="0"/>
+              <a:t>Want to talk even more?</a:t>
+            </a:r>
+          </a:p>
+          <a:p>
+            <a:pPr lvl="1"/>
+            <a:r>
+              <a:rPr lang="en-US" dirty="0" smtClean="0"/>
+              <a:t>Open Spaces!</a:t>
+            </a:r>
+          </a:p>
+          <a:p>
+            <a:pPr lvl="1"/>
+            <a:r>
+              <a:rPr lang="en-US" dirty="0" smtClean="0"/>
+              <a:t>@</a:t>
+            </a:r>
+            <a:r>
+              <a:rPr lang="en-US" dirty="0" err="1" smtClean="0"/>
+              <a:t>A_Robson</a:t>
+            </a:r>
+            <a:endParaRPr lang="en-US" dirty="0"/>
+          </a:p>
+          <a:p>
+            <a:pPr lvl="1"/>
+            <a:r>
+              <a:rPr lang="en-US" dirty="0" smtClean="0"/>
+              <a:t>Alex AT </a:t>
+            </a:r>
+            <a:r>
+              <a:rPr lang="en-US" dirty="0" err="1" smtClean="0"/>
+              <a:t>sharplearningcurve</a:t>
+            </a:r>
+            <a:r>
+              <a:rPr lang="en-US" dirty="0" smtClean="0"/>
+              <a:t> DOT com</a:t>
+            </a:r>
+          </a:p>
+          <a:p>
+            <a:r>
+              <a:rPr lang="en-US" dirty="0" smtClean="0"/>
+              <a:t>Sometimes I write code to share</a:t>
+            </a:r>
+          </a:p>
+          <a:p>
+            <a:pPr lvl="1"/>
+            <a:r>
+              <a:rPr lang="en-US" dirty="0" smtClean="0">
+                <a:hlinkClick r:id="rId2"/>
+              </a:rPr>
+              <a:t>www.github.com/arobson</a:t>
+            </a:r>
+            <a:endParaRPr lang="en-US" dirty="0" smtClean="0"/>
+          </a:p>
+          <a:p>
+            <a:pPr lvl="1"/>
+            <a:endParaRPr lang="en-US" dirty="0"/>
+          </a:p>
+        </p:txBody>
+      </p:sp>
+    </p:spTree>
+    <p:extLst>
+      <p:ext uri="{BB962C8B-B14F-4D97-AF65-F5344CB8AC3E}">
+        <p14:creationId xmlns:p14="http://schemas.microsoft.com/office/powerpoint/2010/main" val="2330615728"/>
+      </p:ext>
+    </p:extLst>
+  </p:cSld>
+  <p:clrMapOvr>
+    <a:masterClrMapping/>
+  </p:clrMapOvr>
+  <p:timing>
+    <p:tnLst>
+      <p:par>
+        <p:cTn xmlns:p14="http://schemas.microsoft.com/office/powerpoint/2010/main" id="1" dur="indefinite" restart="never" nodeType="tmRoot"/>
       </p:par>
     </p:tnLst>
   </p:timing>
@@ -6855,7 +7230,11 @@
           <a:p>
             <a:r>
               <a:rPr lang="en-US" dirty="0" smtClean="0"/>
-              <a:t>Messaging?</a:t>
+              <a:t>Why Messaging</a:t>
+            </a:r>
+            <a:r>
+              <a:rPr lang="en-US" dirty="0" smtClean="0"/>
+              <a:t>?</a:t>
             </a:r>
             <a:endParaRPr lang="en-US" dirty="0"/>
           </a:p>
@@ -6873,7 +7252,9 @@
         </p:nvSpPr>
         <p:spPr/>
         <p:txBody>
-          <a:bodyPr/>
+          <a:bodyPr>
+            <a:normAutofit lnSpcReduction="10000"/>
+          </a:bodyPr>
           <a:lstStyle/>
           <a:p>
             <a:r>
@@ -6905,7 +7286,32 @@
           <a:p>
             <a:r>
               <a:rPr lang="en-US" dirty="0" smtClean="0"/>
-              <a:t>Feature creep, brittle systems and integration</a:t>
+              <a:t>A helpful too to address</a:t>
+            </a:r>
+          </a:p>
+          <a:p>
+            <a:pPr lvl="1"/>
+            <a:r>
+              <a:rPr lang="en-US" dirty="0" smtClean="0"/>
+              <a:t>Feature creep</a:t>
+            </a:r>
+          </a:p>
+          <a:p>
+            <a:pPr lvl="1"/>
+            <a:r>
+              <a:rPr lang="en-US" dirty="0" smtClean="0"/>
+              <a:t>Brittle systems</a:t>
+            </a:r>
+          </a:p>
+          <a:p>
+            <a:pPr lvl="1"/>
+            <a:r>
+              <a:rPr lang="en-US" dirty="0" smtClean="0"/>
+              <a:t>System i</a:t>
+            </a:r>
+            <a:r>
+              <a:rPr lang="en-US" dirty="0" smtClean="0"/>
+              <a:t>ntegration</a:t>
             </a:r>
             <a:endParaRPr lang="en-US" dirty="0"/>
           </a:p>
@@ -6920,7 +7326,7 @@
     </p:spTree>
     <p:extLst>
       <p:ext uri="{BB962C8B-B14F-4D97-AF65-F5344CB8AC3E}">
-        <p14:creationId xmlns="" xmlns:p14="http://schemas.microsoft.com/office/powerpoint/2010/main" val="3954950989"/>
+        <p14:creationId xmlns:p14="http://schemas.microsoft.com/office/powerpoint/2010/main" val="3954950989"/>
       </p:ext>
     </p:extLst>
   </p:cSld>
@@ -6930,7 +7336,7 @@
   <p:timing>
     <p:tnLst>
       <p:par>
-        <p:cTn id="1" dur="indefinite" restart="never" nodeType="tmRoot"/>
+        <p:cTn xmlns:p14="http://schemas.microsoft.com/office/powerpoint/2010/main" id="1" dur="indefinite" restart="never" nodeType="tmRoot"/>
       </p:par>
     </p:tnLst>
   </p:timing>
@@ -6966,29 +7372,6 @@
         </p:nvSpPr>
         <p:spPr/>
         <p:txBody>
-          <a:bodyPr/>
-          <a:lstStyle/>
-          <a:p>
-            <a:r>
-              <a:rPr lang="en-US" dirty="0" smtClean="0"/>
-              <a:t>An Alternative To SOAP / WS-*</a:t>
-            </a:r>
-            <a:endParaRPr lang="en-US" dirty="0"/>
-          </a:p>
-        </p:txBody>
-      </p:sp>
-      <p:sp>
-        <p:nvSpPr>
-          <p:cNvPr id="3" name="Content Placeholder 2"/>
-          <p:cNvSpPr>
-            <a:spLocks noGrp="1"/>
-          </p:cNvSpPr>
-          <p:nvPr>
-            <p:ph idx="1"/>
-          </p:nvPr>
-        </p:nvSpPr>
-        <p:spPr/>
-        <p:txBody>
           <a:bodyPr>
             <a:normAutofit/>
           </a:bodyPr>
@@ -6996,6 +7379,39 @@
           <a:p>
             <a:r>
               <a:rPr lang="en-US" dirty="0" smtClean="0"/>
+              <a:t>Comparison To </a:t>
+            </a:r>
+            <a:r>
+              <a:rPr lang="en-US" dirty="0" smtClean="0"/>
+              <a:t>SOAP / WS-</a:t>
+            </a:r>
+            <a:r>
+              <a:rPr lang="en-US" dirty="0" smtClean="0"/>
+              <a:t>*/ WCF</a:t>
+            </a:r>
+            <a:endParaRPr lang="en-US" dirty="0"/>
+          </a:p>
+        </p:txBody>
+      </p:sp>
+      <p:sp>
+        <p:nvSpPr>
+          <p:cNvPr id="3" name="Content Placeholder 2"/>
+          <p:cNvSpPr>
+            <a:spLocks noGrp="1"/>
+          </p:cNvSpPr>
+          <p:nvPr>
+            <p:ph idx="1"/>
+          </p:nvPr>
+        </p:nvSpPr>
+        <p:spPr/>
+        <p:txBody>
+          <a:bodyPr>
+            <a:normAutofit fontScale="92500" lnSpcReduction="20000"/>
+          </a:bodyPr>
+          <a:lstStyle/>
+          <a:p>
+            <a:r>
+              <a:rPr lang="en-US" dirty="0" smtClean="0"/>
               <a:t>The message broker becomes the only end-point you care about*</a:t>
             </a:r>
           </a:p>
@@ -7008,28 +7424,52 @@
           <a:p>
             <a:r>
               <a:rPr lang="en-US" dirty="0" smtClean="0"/>
-              <a:t>The message becomes your only contract</a:t>
-            </a:r>
-          </a:p>
-          <a:p>
-            <a:r>
-              <a:rPr lang="en-US" dirty="0" smtClean="0"/>
-              <a:t>Forgiving </a:t>
+              <a:t>The message becomes your only </a:t>
+            </a:r>
+            <a:r>
+              <a:rPr lang="en-US" dirty="0" smtClean="0"/>
+              <a:t>contract</a:t>
+            </a:r>
+          </a:p>
+          <a:p>
+            <a:pPr lvl="1"/>
+            <a:r>
+              <a:rPr lang="en-US" dirty="0" smtClean="0"/>
+              <a:t>Say goodbye to WCFs 5 contracts</a:t>
+            </a:r>
+          </a:p>
+          <a:p>
+            <a:pPr lvl="1"/>
+            <a:r>
+              <a:rPr lang="en-US" dirty="0" smtClean="0"/>
+              <a:t>Service, Operation, Data, Fault, and Message</a:t>
+            </a:r>
+          </a:p>
+          <a:p>
+            <a:r>
+              <a:rPr lang="en-US" dirty="0" smtClean="0"/>
+              <a:t>Use any format / </a:t>
             </a:r>
             <a:r>
               <a:rPr lang="en-US" dirty="0" err="1" smtClean="0"/>
-              <a:t>serializers</a:t>
-            </a:r>
-            <a:r>
-              <a:rPr lang="en-US" dirty="0" smtClean="0"/>
-              <a:t> (i.e. JSON) are your friend</a:t>
-            </a:r>
-          </a:p>
-          <a:p>
-            <a:r>
-              <a:rPr lang="en-US" dirty="0" smtClean="0"/>
-              <a:t>Messages can version too</a:t>
-            </a:r>
+              <a:t>serializer</a:t>
+            </a:r>
+            <a:r>
+              <a:rPr lang="en-US" dirty="0" smtClean="0"/>
+              <a:t> you like</a:t>
+            </a:r>
+            <a:endParaRPr lang="en-US" dirty="0" smtClean="0"/>
+          </a:p>
+          <a:p>
+            <a:r>
+              <a:rPr lang="en-US" dirty="0" smtClean="0"/>
+              <a:t>Messages </a:t>
+            </a:r>
+            <a:r>
+              <a:rPr lang="en-US" dirty="0" smtClean="0"/>
+              <a:t>have a better versioning story</a:t>
+            </a:r>
+            <a:endParaRPr lang="en-US" dirty="0" smtClean="0"/>
           </a:p>
           <a:p>
             <a:pPr marL="0" indent="0">
@@ -7058,7 +7498,7 @@
     </p:spTree>
     <p:extLst>
       <p:ext uri="{BB962C8B-B14F-4D97-AF65-F5344CB8AC3E}">
-        <p14:creationId xmlns="" xmlns:p14="http://schemas.microsoft.com/office/powerpoint/2010/main" val="3007333811"/>
+        <p14:creationId xmlns:p14="http://schemas.microsoft.com/office/powerpoint/2010/main" val="3007333811"/>
       </p:ext>
     </p:extLst>
   </p:cSld>
@@ -7068,7 +7508,7 @@
   <p:timing>
     <p:tnLst>
       <p:par>
-        <p:cTn id="1" dur="indefinite" restart="never" nodeType="tmRoot"/>
+        <p:cTn xmlns:p14="http://schemas.microsoft.com/office/powerpoint/2010/main" id="1" dur="indefinite" restart="never" nodeType="tmRoot"/>
       </p:par>
     </p:tnLst>
   </p:timing>
@@ -7235,7 +7675,11 @@
             <a:pPr algn="ctr"/>
             <a:r>
               <a:rPr lang="en-US" dirty="0" smtClean="0"/>
-              <a:t>Message Bus</a:t>
+              <a:t>Message </a:t>
+            </a:r>
+            <a:r>
+              <a:rPr lang="en-US" dirty="0" smtClean="0"/>
+              <a:t>Bus / Broker</a:t>
             </a:r>
             <a:endParaRPr lang="en-US" dirty="0"/>
           </a:p>
@@ -7663,7 +8107,7 @@
     </p:spTree>
     <p:extLst>
       <p:ext uri="{BB962C8B-B14F-4D97-AF65-F5344CB8AC3E}">
-        <p14:creationId xmlns="" xmlns:p14="http://schemas.microsoft.com/office/powerpoint/2010/main" val="2245570433"/>
+        <p14:creationId xmlns:p14="http://schemas.microsoft.com/office/powerpoint/2010/main" val="2245570433"/>
       </p:ext>
     </p:extLst>
   </p:cSld>
@@ -7673,7 +8117,7 @@
   <p:timing>
     <p:tnLst>
       <p:par>
-        <p:cTn id="1" dur="indefinite" restart="never" nodeType="tmRoot">
+        <p:cTn xmlns:p14="http://schemas.microsoft.com/office/powerpoint/2010/main" id="1" dur="indefinite" restart="never" nodeType="tmRoot">
           <p:childTnLst>
             <p:seq concurrent="1" nextAc="seek">
               <p:cTn id="2" dur="indefinite" nodeType="mainSeq">
@@ -8115,8 +8559,17 @@
             <a:pPr lvl="1"/>
             <a:r>
               <a:rPr lang="en-US" dirty="0" smtClean="0"/>
-              <a:t>New features are implemented as services</a:t>
-            </a:r>
+              <a:t>New features are implemented </a:t>
+            </a:r>
+            <a:r>
+              <a:rPr lang="en-US" dirty="0" smtClean="0"/>
+              <a:t>as new</a:t>
+            </a:r>
+            <a:r>
+              <a:rPr lang="en-US" dirty="0" smtClean="0"/>
+              <a:t> services</a:t>
+            </a:r>
+            <a:endParaRPr lang="en-US" dirty="0" smtClean="0"/>
           </a:p>
           <a:p>
             <a:pPr lvl="1"/>
@@ -8131,7 +8584,7 @@
     </p:spTree>
     <p:extLst>
       <p:ext uri="{BB962C8B-B14F-4D97-AF65-F5344CB8AC3E}">
-        <p14:creationId xmlns="" xmlns:p14="http://schemas.microsoft.com/office/powerpoint/2010/main" val="987664178"/>
+        <p14:creationId xmlns:p14="http://schemas.microsoft.com/office/powerpoint/2010/main" val="987664178"/>
       </p:ext>
     </p:extLst>
   </p:cSld>
@@ -8141,7 +8594,7 @@
   <p:timing>
     <p:tnLst>
       <p:par>
-        <p:cTn id="1" dur="indefinite" restart="never" nodeType="tmRoot"/>
+        <p:cTn xmlns:p14="http://schemas.microsoft.com/office/powerpoint/2010/main" id="1" dur="indefinite" restart="never" nodeType="tmRoot"/>
       </p:par>
     </p:tnLst>
   </p:timing>
@@ -8718,7 +9171,7 @@
     </p:spTree>
     <p:extLst>
       <p:ext uri="{BB962C8B-B14F-4D97-AF65-F5344CB8AC3E}">
-        <p14:creationId xmlns="" xmlns:p14="http://schemas.microsoft.com/office/powerpoint/2010/main" val="2075929867"/>
+        <p14:creationId xmlns:p14="http://schemas.microsoft.com/office/powerpoint/2010/main" val="2075929867"/>
       </p:ext>
     </p:extLst>
   </p:cSld>
@@ -8728,7 +9181,7 @@
   <p:timing>
     <p:tnLst>
       <p:par>
-        <p:cTn id="1" dur="indefinite" restart="never" nodeType="tmRoot">
+        <p:cTn xmlns:p14="http://schemas.microsoft.com/office/powerpoint/2010/main" id="1" dur="indefinite" restart="never" nodeType="tmRoot">
           <p:childTnLst>
             <p:seq concurrent="1" nextAc="seek">
               <p:cTn id="2" dur="indefinite" nodeType="mainSeq">
@@ -9137,7 +9590,15 @@
             <a:pPr lvl="1"/>
             <a:r>
               <a:rPr lang="en-US" dirty="0" smtClean="0"/>
-              <a:t>Add consumers as needed*</a:t>
+              <a:t>Add </a:t>
+            </a:r>
+            <a:r>
+              <a:rPr lang="en-US" dirty="0" smtClean="0"/>
+              <a:t>consuming services </a:t>
+            </a:r>
+            <a:r>
+              <a:rPr lang="en-US" dirty="0" smtClean="0"/>
+              <a:t>as needed*</a:t>
             </a:r>
           </a:p>
           <a:p>
@@ -9175,7 +9636,7 @@
     </p:spTree>
     <p:extLst>
       <p:ext uri="{BB962C8B-B14F-4D97-AF65-F5344CB8AC3E}">
-        <p14:creationId xmlns="" xmlns:p14="http://schemas.microsoft.com/office/powerpoint/2010/main" val="2699777521"/>
+        <p14:creationId xmlns:p14="http://schemas.microsoft.com/office/powerpoint/2010/main" val="2699777521"/>
       </p:ext>
     </p:extLst>
   </p:cSld>
@@ -9185,7 +9646,7 @@
   <p:timing>
     <p:tnLst>
       <p:par>
-        <p:cTn id="1" dur="indefinite" restart="never" nodeType="tmRoot"/>
+        <p:cTn xmlns:p14="http://schemas.microsoft.com/office/powerpoint/2010/main" id="1" dur="indefinite" restart="never" nodeType="tmRoot"/>
       </p:par>
     </p:tnLst>
   </p:timing>
@@ -9647,7 +10108,7 @@
     </p:spTree>
     <p:extLst>
       <p:ext uri="{BB962C8B-B14F-4D97-AF65-F5344CB8AC3E}">
-        <p14:creationId xmlns="" xmlns:p14="http://schemas.microsoft.com/office/powerpoint/2010/main" val="2897129855"/>
+        <p14:creationId xmlns:p14="http://schemas.microsoft.com/office/powerpoint/2010/main" val="2897129855"/>
       </p:ext>
     </p:extLst>
   </p:cSld>
@@ -9657,7 +10118,7 @@
   <p:timing>
     <p:tnLst>
       <p:par>
-        <p:cTn id="1" dur="indefinite" restart="never" nodeType="tmRoot">
+        <p:cTn xmlns:p14="http://schemas.microsoft.com/office/powerpoint/2010/main" id="1" dur="indefinite" restart="never" nodeType="tmRoot">
           <p:childTnLst>
             <p:seq concurrent="1" nextAc="seek">
               <p:cTn id="2" dur="indefinite" nodeType="mainSeq">
